--- a/ppt1.pptx
+++ b/ppt1.pptx
@@ -1,12 +1,12 @@
 
 <file path=ppt/presentation.xml><?xml version="1.0" encoding="utf-8"?>
-<p:presentation xmlns:a="http://schemas.openxmlformats.org/drawingml/2006/main" xmlns:r="http://schemas.openxmlformats.org/officeDocument/2006/relationships" xmlns:p="http://schemas.openxmlformats.org/presentationml/2006/main" saveSubsetFonts="1">
+<p:presentation xmlns:a="http://schemas.openxmlformats.org/drawingml/2006/main" xmlns:r="http://schemas.openxmlformats.org/officeDocument/2006/relationships" xmlns:p="http://schemas.openxmlformats.org/presentationml/2006/main">
   <p:sldMasterIdLst>
     <p:sldMasterId id="2147483648" r:id="rId1"/>
   </p:sldMasterIdLst>
   <p:sldIdLst>
-    <p:sldId id="257" r:id="rId2"/>
-    <p:sldId id="256" r:id="rId3"/>
+    <p:sldId id="257" r:id="rId3"/>
+    <p:sldId id="256" r:id="rId4"/>
   </p:sldIdLst>
   <p:sldSz cx="12192000" cy="6858000"/>
   <p:notesSz cx="6858000" cy="9144000"/>
@@ -105,11 +105,6 @@
       </a:defRPr>
     </a:lvl9pPr>
   </p:defaultTextStyle>
-  <p:extLst>
-    <p:ext uri="{EFAFB233-063F-42B5-8137-9DF3F51BA10A}">
-      <p15:sldGuideLst xmlns:p15="http://schemas.microsoft.com/office/powerpoint/2012/main"/>
-    </p:ext>
-  </p:extLst>
 </p:presentation>
 </file>
 
@@ -132,13 +127,7 @@
       </p:grpSpPr>
       <p:sp>
         <p:nvSpPr>
-          <p:cNvPr id="2" name="Title 1">
-            <a:extLst>
-              <a:ext uri="{FF2B5EF4-FFF2-40B4-BE49-F238E27FC236}">
-                <a16:creationId xmlns:a16="http://schemas.microsoft.com/office/drawing/2014/main" id="{8460A366-4335-C041-D74D-52E27EDF78D4}"/>
-              </a:ext>
-            </a:extLst>
-          </p:cNvPr>
+          <p:cNvPr id="2" name="Title 1"/>
           <p:cNvSpPr>
             <a:spLocks noGrp="1"/>
           </p:cNvSpPr>
@@ -164,18 +153,13 @@
               <a:rPr lang="en-US"/>
               <a:t>Click to edit Master title style</a:t>
             </a:r>
-          </a:p>
-        </p:txBody>
-      </p:sp>
-      <p:sp>
-        <p:nvSpPr>
-          <p:cNvPr id="3" name="Subtitle 2">
-            <a:extLst>
-              <a:ext uri="{FF2B5EF4-FFF2-40B4-BE49-F238E27FC236}">
-                <a16:creationId xmlns:a16="http://schemas.microsoft.com/office/drawing/2014/main" id="{3E3A41FA-F5E3-5001-B770-A946569EA91D}"/>
-              </a:ext>
-            </a:extLst>
-          </p:cNvPr>
+            <a:endParaRPr lang="en-US"/>
+          </a:p>
+        </p:txBody>
+      </p:sp>
+      <p:sp>
+        <p:nvSpPr>
+          <p:cNvPr id="3" name="Subtitle 2"/>
           <p:cNvSpPr>
             <a:spLocks noGrp="1"/>
           </p:cNvSpPr>
@@ -234,18 +218,13 @@
               <a:rPr lang="en-US"/>
               <a:t>Click to edit Master subtitle style</a:t>
             </a:r>
-          </a:p>
-        </p:txBody>
-      </p:sp>
-      <p:sp>
-        <p:nvSpPr>
-          <p:cNvPr id="4" name="Date Placeholder 3">
-            <a:extLst>
-              <a:ext uri="{FF2B5EF4-FFF2-40B4-BE49-F238E27FC236}">
-                <a16:creationId xmlns:a16="http://schemas.microsoft.com/office/drawing/2014/main" id="{C5D2EDA1-C7AA-1C11-B629-F778B9C80C3F}"/>
-              </a:ext>
-            </a:extLst>
-          </p:cNvPr>
+            <a:endParaRPr lang="en-US"/>
+          </a:p>
+        </p:txBody>
+      </p:sp>
+      <p:sp>
+        <p:nvSpPr>
+          <p:cNvPr id="4" name="Date Placeholder 3"/>
           <p:cNvSpPr>
             <a:spLocks noGrp="1"/>
           </p:cNvSpPr>
@@ -260,7 +239,6 @@
           <a:p>
             <a:fld id="{2A73CDD0-50B5-A841-83F2-9EA635F0F434}" type="datetimeFigureOut">
               <a:rPr lang="en-US" smtClean="0"/>
-              <a:t>12/20/2024</a:t>
             </a:fld>
             <a:endParaRPr lang="en-US"/>
           </a:p>
@@ -268,13 +246,7 @@
       </p:sp>
       <p:sp>
         <p:nvSpPr>
-          <p:cNvPr id="5" name="Footer Placeholder 4">
-            <a:extLst>
-              <a:ext uri="{FF2B5EF4-FFF2-40B4-BE49-F238E27FC236}">
-                <a16:creationId xmlns:a16="http://schemas.microsoft.com/office/drawing/2014/main" id="{15819446-5486-964B-8A53-107930D5C581}"/>
-              </a:ext>
-            </a:extLst>
-          </p:cNvPr>
+          <p:cNvPr id="5" name="Footer Placeholder 4"/>
           <p:cNvSpPr>
             <a:spLocks noGrp="1"/>
           </p:cNvSpPr>
@@ -293,13 +265,7 @@
       </p:sp>
       <p:sp>
         <p:nvSpPr>
-          <p:cNvPr id="6" name="Slide Number Placeholder 5">
-            <a:extLst>
-              <a:ext uri="{FF2B5EF4-FFF2-40B4-BE49-F238E27FC236}">
-                <a16:creationId xmlns:a16="http://schemas.microsoft.com/office/drawing/2014/main" id="{65750A8F-D139-FF76-00B5-E5CC86AA339A}"/>
-              </a:ext>
-            </a:extLst>
-          </p:cNvPr>
+          <p:cNvPr id="6" name="Slide Number Placeholder 5"/>
           <p:cNvSpPr>
             <a:spLocks noGrp="1"/>
           </p:cNvSpPr>
@@ -314,18 +280,12 @@
           <a:p>
             <a:fld id="{15B0F879-0EF3-714B-8339-AFD3FFD574A9}" type="slidenum">
               <a:rPr lang="en-US" smtClean="0"/>
-              <a:t>‹#›</a:t>
             </a:fld>
             <a:endParaRPr lang="en-US"/>
           </a:p>
         </p:txBody>
       </p:sp>
     </p:spTree>
-    <p:extLst>
-      <p:ext uri="{BB962C8B-B14F-4D97-AF65-F5344CB8AC3E}">
-        <p14:creationId xmlns:p14="http://schemas.microsoft.com/office/powerpoint/2010/main" val="871389343"/>
-      </p:ext>
-    </p:extLst>
   </p:cSld>
   <p:clrMapOvr>
     <a:masterClrMapping/>
@@ -352,13 +312,7 @@
       </p:grpSpPr>
       <p:sp>
         <p:nvSpPr>
-          <p:cNvPr id="2" name="Title 1">
-            <a:extLst>
-              <a:ext uri="{FF2B5EF4-FFF2-40B4-BE49-F238E27FC236}">
-                <a16:creationId xmlns:a16="http://schemas.microsoft.com/office/drawing/2014/main" id="{68CC9FF9-FA10-8767-088E-72CF98265EF5}"/>
-              </a:ext>
-            </a:extLst>
-          </p:cNvPr>
+          <p:cNvPr id="2" name="Title 1"/>
           <p:cNvSpPr>
             <a:spLocks noGrp="1"/>
           </p:cNvSpPr>
@@ -375,18 +329,13 @@
               <a:rPr lang="en-US"/>
               <a:t>Click to edit Master title style</a:t>
             </a:r>
-          </a:p>
-        </p:txBody>
-      </p:sp>
-      <p:sp>
-        <p:nvSpPr>
-          <p:cNvPr id="3" name="Vertical Text Placeholder 2">
-            <a:extLst>
-              <a:ext uri="{FF2B5EF4-FFF2-40B4-BE49-F238E27FC236}">
-                <a16:creationId xmlns:a16="http://schemas.microsoft.com/office/drawing/2014/main" id="{2262B7E9-9EF2-E077-4871-643190D74F59}"/>
-              </a:ext>
-            </a:extLst>
-          </p:cNvPr>
+            <a:endParaRPr lang="en-US"/>
+          </a:p>
+        </p:txBody>
+      </p:sp>
+      <p:sp>
+        <p:nvSpPr>
+          <p:cNvPr id="3" name="Vertical Text Placeholder 2"/>
           <p:cNvSpPr>
             <a:spLocks noGrp="1"/>
           </p:cNvSpPr>
@@ -404,6 +353,7 @@
               <a:rPr lang="en-US"/>
               <a:t>Click to edit Master text styles</a:t>
             </a:r>
+            <a:endParaRPr lang="en-US"/>
           </a:p>
           <a:p>
             <a:pPr lvl="1"/>
@@ -411,6 +361,7 @@
               <a:rPr lang="en-US"/>
               <a:t>Second level</a:t>
             </a:r>
+            <a:endParaRPr lang="en-US"/>
           </a:p>
           <a:p>
             <a:pPr lvl="2"/>
@@ -418,6 +369,7 @@
               <a:rPr lang="en-US"/>
               <a:t>Third level</a:t>
             </a:r>
+            <a:endParaRPr lang="en-US"/>
           </a:p>
           <a:p>
             <a:pPr lvl="3"/>
@@ -425,6 +377,7 @@
               <a:rPr lang="en-US"/>
               <a:t>Fourth level</a:t>
             </a:r>
+            <a:endParaRPr lang="en-US"/>
           </a:p>
           <a:p>
             <a:pPr lvl="4"/>
@@ -432,18 +385,13 @@
               <a:rPr lang="en-US"/>
               <a:t>Fifth level</a:t>
             </a:r>
-          </a:p>
-        </p:txBody>
-      </p:sp>
-      <p:sp>
-        <p:nvSpPr>
-          <p:cNvPr id="4" name="Date Placeholder 3">
-            <a:extLst>
-              <a:ext uri="{FF2B5EF4-FFF2-40B4-BE49-F238E27FC236}">
-                <a16:creationId xmlns:a16="http://schemas.microsoft.com/office/drawing/2014/main" id="{C7CB91EF-B534-FBF8-E70F-3C6A5D526614}"/>
-              </a:ext>
-            </a:extLst>
-          </p:cNvPr>
+            <a:endParaRPr lang="en-US"/>
+          </a:p>
+        </p:txBody>
+      </p:sp>
+      <p:sp>
+        <p:nvSpPr>
+          <p:cNvPr id="4" name="Date Placeholder 3"/>
           <p:cNvSpPr>
             <a:spLocks noGrp="1"/>
           </p:cNvSpPr>
@@ -458,7 +406,6 @@
           <a:p>
             <a:fld id="{2A73CDD0-50B5-A841-83F2-9EA635F0F434}" type="datetimeFigureOut">
               <a:rPr lang="en-US" smtClean="0"/>
-              <a:t>12/20/2024</a:t>
             </a:fld>
             <a:endParaRPr lang="en-US"/>
           </a:p>
@@ -466,13 +413,7 @@
       </p:sp>
       <p:sp>
         <p:nvSpPr>
-          <p:cNvPr id="5" name="Footer Placeholder 4">
-            <a:extLst>
-              <a:ext uri="{FF2B5EF4-FFF2-40B4-BE49-F238E27FC236}">
-                <a16:creationId xmlns:a16="http://schemas.microsoft.com/office/drawing/2014/main" id="{B13CD8D2-B378-0A9B-FA21-60E7007627F6}"/>
-              </a:ext>
-            </a:extLst>
-          </p:cNvPr>
+          <p:cNvPr id="5" name="Footer Placeholder 4"/>
           <p:cNvSpPr>
             <a:spLocks noGrp="1"/>
           </p:cNvSpPr>
@@ -491,13 +432,7 @@
       </p:sp>
       <p:sp>
         <p:nvSpPr>
-          <p:cNvPr id="6" name="Slide Number Placeholder 5">
-            <a:extLst>
-              <a:ext uri="{FF2B5EF4-FFF2-40B4-BE49-F238E27FC236}">
-                <a16:creationId xmlns:a16="http://schemas.microsoft.com/office/drawing/2014/main" id="{458680AA-141E-EF5A-BB69-EA4F4B9E9D88}"/>
-              </a:ext>
-            </a:extLst>
-          </p:cNvPr>
+          <p:cNvPr id="6" name="Slide Number Placeholder 5"/>
           <p:cNvSpPr>
             <a:spLocks noGrp="1"/>
           </p:cNvSpPr>
@@ -512,18 +447,12 @@
           <a:p>
             <a:fld id="{15B0F879-0EF3-714B-8339-AFD3FFD574A9}" type="slidenum">
               <a:rPr lang="en-US" smtClean="0"/>
-              <a:t>‹#›</a:t>
             </a:fld>
             <a:endParaRPr lang="en-US"/>
           </a:p>
         </p:txBody>
       </p:sp>
     </p:spTree>
-    <p:extLst>
-      <p:ext uri="{BB962C8B-B14F-4D97-AF65-F5344CB8AC3E}">
-        <p14:creationId xmlns:p14="http://schemas.microsoft.com/office/powerpoint/2010/main" val="201587800"/>
-      </p:ext>
-    </p:extLst>
   </p:cSld>
   <p:clrMapOvr>
     <a:masterClrMapping/>
@@ -550,13 +479,7 @@
       </p:grpSpPr>
       <p:sp>
         <p:nvSpPr>
-          <p:cNvPr id="2" name="Vertical Title 1">
-            <a:extLst>
-              <a:ext uri="{FF2B5EF4-FFF2-40B4-BE49-F238E27FC236}">
-                <a16:creationId xmlns:a16="http://schemas.microsoft.com/office/drawing/2014/main" id="{5727697A-70F0-CAA2-1C76-58862F7A308B}"/>
-              </a:ext>
-            </a:extLst>
-          </p:cNvPr>
+          <p:cNvPr id="2" name="Vertical Title 1"/>
           <p:cNvSpPr>
             <a:spLocks noGrp="1"/>
           </p:cNvSpPr>
@@ -578,18 +501,13 @@
               <a:rPr lang="en-US"/>
               <a:t>Click to edit Master title style</a:t>
             </a:r>
-          </a:p>
-        </p:txBody>
-      </p:sp>
-      <p:sp>
-        <p:nvSpPr>
-          <p:cNvPr id="3" name="Vertical Text Placeholder 2">
-            <a:extLst>
-              <a:ext uri="{FF2B5EF4-FFF2-40B4-BE49-F238E27FC236}">
-                <a16:creationId xmlns:a16="http://schemas.microsoft.com/office/drawing/2014/main" id="{C873C914-B3C9-7CFC-85B7-E81DADE3E615}"/>
-              </a:ext>
-            </a:extLst>
-          </p:cNvPr>
+            <a:endParaRPr lang="en-US"/>
+          </a:p>
+        </p:txBody>
+      </p:sp>
+      <p:sp>
+        <p:nvSpPr>
+          <p:cNvPr id="3" name="Vertical Text Placeholder 2"/>
           <p:cNvSpPr>
             <a:spLocks noGrp="1"/>
           </p:cNvSpPr>
@@ -612,6 +530,7 @@
               <a:rPr lang="en-US"/>
               <a:t>Click to edit Master text styles</a:t>
             </a:r>
+            <a:endParaRPr lang="en-US"/>
           </a:p>
           <a:p>
             <a:pPr lvl="1"/>
@@ -619,6 +538,7 @@
               <a:rPr lang="en-US"/>
               <a:t>Second level</a:t>
             </a:r>
+            <a:endParaRPr lang="en-US"/>
           </a:p>
           <a:p>
             <a:pPr lvl="2"/>
@@ -626,6 +546,7 @@
               <a:rPr lang="en-US"/>
               <a:t>Third level</a:t>
             </a:r>
+            <a:endParaRPr lang="en-US"/>
           </a:p>
           <a:p>
             <a:pPr lvl="3"/>
@@ -633,6 +554,7 @@
               <a:rPr lang="en-US"/>
               <a:t>Fourth level</a:t>
             </a:r>
+            <a:endParaRPr lang="en-US"/>
           </a:p>
           <a:p>
             <a:pPr lvl="4"/>
@@ -640,18 +562,13 @@
               <a:rPr lang="en-US"/>
               <a:t>Fifth level</a:t>
             </a:r>
-          </a:p>
-        </p:txBody>
-      </p:sp>
-      <p:sp>
-        <p:nvSpPr>
-          <p:cNvPr id="4" name="Date Placeholder 3">
-            <a:extLst>
-              <a:ext uri="{FF2B5EF4-FFF2-40B4-BE49-F238E27FC236}">
-                <a16:creationId xmlns:a16="http://schemas.microsoft.com/office/drawing/2014/main" id="{F7B71BD8-3DC3-9F4E-7BA1-FC6E526B50EC}"/>
-              </a:ext>
-            </a:extLst>
-          </p:cNvPr>
+            <a:endParaRPr lang="en-US"/>
+          </a:p>
+        </p:txBody>
+      </p:sp>
+      <p:sp>
+        <p:nvSpPr>
+          <p:cNvPr id="4" name="Date Placeholder 3"/>
           <p:cNvSpPr>
             <a:spLocks noGrp="1"/>
           </p:cNvSpPr>
@@ -666,7 +583,6 @@
           <a:p>
             <a:fld id="{2A73CDD0-50B5-A841-83F2-9EA635F0F434}" type="datetimeFigureOut">
               <a:rPr lang="en-US" smtClean="0"/>
-              <a:t>12/20/2024</a:t>
             </a:fld>
             <a:endParaRPr lang="en-US"/>
           </a:p>
@@ -674,13 +590,7 @@
       </p:sp>
       <p:sp>
         <p:nvSpPr>
-          <p:cNvPr id="5" name="Footer Placeholder 4">
-            <a:extLst>
-              <a:ext uri="{FF2B5EF4-FFF2-40B4-BE49-F238E27FC236}">
-                <a16:creationId xmlns:a16="http://schemas.microsoft.com/office/drawing/2014/main" id="{89B23AA0-80AB-E918-177E-C3920FA5CD80}"/>
-              </a:ext>
-            </a:extLst>
-          </p:cNvPr>
+          <p:cNvPr id="5" name="Footer Placeholder 4"/>
           <p:cNvSpPr>
             <a:spLocks noGrp="1"/>
           </p:cNvSpPr>
@@ -699,13 +609,7 @@
       </p:sp>
       <p:sp>
         <p:nvSpPr>
-          <p:cNvPr id="6" name="Slide Number Placeholder 5">
-            <a:extLst>
-              <a:ext uri="{FF2B5EF4-FFF2-40B4-BE49-F238E27FC236}">
-                <a16:creationId xmlns:a16="http://schemas.microsoft.com/office/drawing/2014/main" id="{93D24668-B205-0CBF-1D9D-EE543496D8D2}"/>
-              </a:ext>
-            </a:extLst>
-          </p:cNvPr>
+          <p:cNvPr id="6" name="Slide Number Placeholder 5"/>
           <p:cNvSpPr>
             <a:spLocks noGrp="1"/>
           </p:cNvSpPr>
@@ -720,18 +624,12 @@
           <a:p>
             <a:fld id="{15B0F879-0EF3-714B-8339-AFD3FFD574A9}" type="slidenum">
               <a:rPr lang="en-US" smtClean="0"/>
-              <a:t>‹#›</a:t>
             </a:fld>
             <a:endParaRPr lang="en-US"/>
           </a:p>
         </p:txBody>
       </p:sp>
     </p:spTree>
-    <p:extLst>
-      <p:ext uri="{BB962C8B-B14F-4D97-AF65-F5344CB8AC3E}">
-        <p14:creationId xmlns:p14="http://schemas.microsoft.com/office/powerpoint/2010/main" val="2647646301"/>
-      </p:ext>
-    </p:extLst>
   </p:cSld>
   <p:clrMapOvr>
     <a:masterClrMapping/>
@@ -758,13 +656,7 @@
       </p:grpSpPr>
       <p:sp>
         <p:nvSpPr>
-          <p:cNvPr id="2" name="Title 1">
-            <a:extLst>
-              <a:ext uri="{FF2B5EF4-FFF2-40B4-BE49-F238E27FC236}">
-                <a16:creationId xmlns:a16="http://schemas.microsoft.com/office/drawing/2014/main" id="{374B5A4B-549A-5ADF-62D1-EF02F2CBF4C0}"/>
-              </a:ext>
-            </a:extLst>
-          </p:cNvPr>
+          <p:cNvPr id="2" name="Title 1"/>
           <p:cNvSpPr>
             <a:spLocks noGrp="1"/>
           </p:cNvSpPr>
@@ -781,18 +673,13 @@
               <a:rPr lang="en-US"/>
               <a:t>Click to edit Master title style</a:t>
             </a:r>
-          </a:p>
-        </p:txBody>
-      </p:sp>
-      <p:sp>
-        <p:nvSpPr>
-          <p:cNvPr id="3" name="Content Placeholder 2">
-            <a:extLst>
-              <a:ext uri="{FF2B5EF4-FFF2-40B4-BE49-F238E27FC236}">
-                <a16:creationId xmlns:a16="http://schemas.microsoft.com/office/drawing/2014/main" id="{8E39E6E3-9BE4-6997-60C6-143ABE6CE64B}"/>
-              </a:ext>
-            </a:extLst>
-          </p:cNvPr>
+            <a:endParaRPr lang="en-US"/>
+          </a:p>
+        </p:txBody>
+      </p:sp>
+      <p:sp>
+        <p:nvSpPr>
+          <p:cNvPr id="3" name="Content Placeholder 2"/>
           <p:cNvSpPr>
             <a:spLocks noGrp="1"/>
           </p:cNvSpPr>
@@ -810,6 +697,7 @@
               <a:rPr lang="en-US"/>
               <a:t>Click to edit Master text styles</a:t>
             </a:r>
+            <a:endParaRPr lang="en-US"/>
           </a:p>
           <a:p>
             <a:pPr lvl="1"/>
@@ -817,6 +705,7 @@
               <a:rPr lang="en-US"/>
               <a:t>Second level</a:t>
             </a:r>
+            <a:endParaRPr lang="en-US"/>
           </a:p>
           <a:p>
             <a:pPr lvl="2"/>
@@ -824,6 +713,7 @@
               <a:rPr lang="en-US"/>
               <a:t>Third level</a:t>
             </a:r>
+            <a:endParaRPr lang="en-US"/>
           </a:p>
           <a:p>
             <a:pPr lvl="3"/>
@@ -831,6 +721,7 @@
               <a:rPr lang="en-US"/>
               <a:t>Fourth level</a:t>
             </a:r>
+            <a:endParaRPr lang="en-US"/>
           </a:p>
           <a:p>
             <a:pPr lvl="4"/>
@@ -838,18 +729,13 @@
               <a:rPr lang="en-US"/>
               <a:t>Fifth level</a:t>
             </a:r>
-          </a:p>
-        </p:txBody>
-      </p:sp>
-      <p:sp>
-        <p:nvSpPr>
-          <p:cNvPr id="4" name="Date Placeholder 3">
-            <a:extLst>
-              <a:ext uri="{FF2B5EF4-FFF2-40B4-BE49-F238E27FC236}">
-                <a16:creationId xmlns:a16="http://schemas.microsoft.com/office/drawing/2014/main" id="{2064C554-59D0-87B8-A305-D0A93B84514A}"/>
-              </a:ext>
-            </a:extLst>
-          </p:cNvPr>
+            <a:endParaRPr lang="en-US"/>
+          </a:p>
+        </p:txBody>
+      </p:sp>
+      <p:sp>
+        <p:nvSpPr>
+          <p:cNvPr id="4" name="Date Placeholder 3"/>
           <p:cNvSpPr>
             <a:spLocks noGrp="1"/>
           </p:cNvSpPr>
@@ -864,7 +750,6 @@
           <a:p>
             <a:fld id="{2A73CDD0-50B5-A841-83F2-9EA635F0F434}" type="datetimeFigureOut">
               <a:rPr lang="en-US" smtClean="0"/>
-              <a:t>12/20/2024</a:t>
             </a:fld>
             <a:endParaRPr lang="en-US"/>
           </a:p>
@@ -872,13 +757,7 @@
       </p:sp>
       <p:sp>
         <p:nvSpPr>
-          <p:cNvPr id="5" name="Footer Placeholder 4">
-            <a:extLst>
-              <a:ext uri="{FF2B5EF4-FFF2-40B4-BE49-F238E27FC236}">
-                <a16:creationId xmlns:a16="http://schemas.microsoft.com/office/drawing/2014/main" id="{04984713-2385-539F-8E26-D3DD16409E20}"/>
-              </a:ext>
-            </a:extLst>
-          </p:cNvPr>
+          <p:cNvPr id="5" name="Footer Placeholder 4"/>
           <p:cNvSpPr>
             <a:spLocks noGrp="1"/>
           </p:cNvSpPr>
@@ -897,13 +776,7 @@
       </p:sp>
       <p:sp>
         <p:nvSpPr>
-          <p:cNvPr id="6" name="Slide Number Placeholder 5">
-            <a:extLst>
-              <a:ext uri="{FF2B5EF4-FFF2-40B4-BE49-F238E27FC236}">
-                <a16:creationId xmlns:a16="http://schemas.microsoft.com/office/drawing/2014/main" id="{2F9CDF1F-292E-C588-FD30-6FCA80B53EBD}"/>
-              </a:ext>
-            </a:extLst>
-          </p:cNvPr>
+          <p:cNvPr id="6" name="Slide Number Placeholder 5"/>
           <p:cNvSpPr>
             <a:spLocks noGrp="1"/>
           </p:cNvSpPr>
@@ -918,18 +791,12 @@
           <a:p>
             <a:fld id="{15B0F879-0EF3-714B-8339-AFD3FFD574A9}" type="slidenum">
               <a:rPr lang="en-US" smtClean="0"/>
-              <a:t>‹#›</a:t>
             </a:fld>
             <a:endParaRPr lang="en-US"/>
           </a:p>
         </p:txBody>
       </p:sp>
     </p:spTree>
-    <p:extLst>
-      <p:ext uri="{BB962C8B-B14F-4D97-AF65-F5344CB8AC3E}">
-        <p14:creationId xmlns:p14="http://schemas.microsoft.com/office/powerpoint/2010/main" val="3016534948"/>
-      </p:ext>
-    </p:extLst>
   </p:cSld>
   <p:clrMapOvr>
     <a:masterClrMapping/>
@@ -956,13 +823,7 @@
       </p:grpSpPr>
       <p:sp>
         <p:nvSpPr>
-          <p:cNvPr id="2" name="Title 1">
-            <a:extLst>
-              <a:ext uri="{FF2B5EF4-FFF2-40B4-BE49-F238E27FC236}">
-                <a16:creationId xmlns:a16="http://schemas.microsoft.com/office/drawing/2014/main" id="{310406CC-BB5D-4009-0F31-63F304024B48}"/>
-              </a:ext>
-            </a:extLst>
-          </p:cNvPr>
+          <p:cNvPr id="2" name="Title 1"/>
           <p:cNvSpPr>
             <a:spLocks noGrp="1"/>
           </p:cNvSpPr>
@@ -988,18 +849,13 @@
               <a:rPr lang="en-US"/>
               <a:t>Click to edit Master title style</a:t>
             </a:r>
-          </a:p>
-        </p:txBody>
-      </p:sp>
-      <p:sp>
-        <p:nvSpPr>
-          <p:cNvPr id="3" name="Text Placeholder 2">
-            <a:extLst>
-              <a:ext uri="{FF2B5EF4-FFF2-40B4-BE49-F238E27FC236}">
-                <a16:creationId xmlns:a16="http://schemas.microsoft.com/office/drawing/2014/main" id="{2B9BF6BF-7294-4B42-2DF3-92AB2C135D62}"/>
-              </a:ext>
-            </a:extLst>
-          </p:cNvPr>
+            <a:endParaRPr lang="en-US"/>
+          </a:p>
+        </p:txBody>
+      </p:sp>
+      <p:sp>
+        <p:nvSpPr>
+          <p:cNvPr id="3" name="Text Placeholder 2"/>
           <p:cNvSpPr>
             <a:spLocks noGrp="1"/>
           </p:cNvSpPr>
@@ -1113,18 +969,13 @@
               <a:rPr lang="en-US"/>
               <a:t>Click to edit Master text styles</a:t>
             </a:r>
-          </a:p>
-        </p:txBody>
-      </p:sp>
-      <p:sp>
-        <p:nvSpPr>
-          <p:cNvPr id="4" name="Date Placeholder 3">
-            <a:extLst>
-              <a:ext uri="{FF2B5EF4-FFF2-40B4-BE49-F238E27FC236}">
-                <a16:creationId xmlns:a16="http://schemas.microsoft.com/office/drawing/2014/main" id="{A8D6E635-A865-B07C-E0C9-B6720B447319}"/>
-              </a:ext>
-            </a:extLst>
-          </p:cNvPr>
+            <a:endParaRPr lang="en-US"/>
+          </a:p>
+        </p:txBody>
+      </p:sp>
+      <p:sp>
+        <p:nvSpPr>
+          <p:cNvPr id="4" name="Date Placeholder 3"/>
           <p:cNvSpPr>
             <a:spLocks noGrp="1"/>
           </p:cNvSpPr>
@@ -1139,7 +990,6 @@
           <a:p>
             <a:fld id="{2A73CDD0-50B5-A841-83F2-9EA635F0F434}" type="datetimeFigureOut">
               <a:rPr lang="en-US" smtClean="0"/>
-              <a:t>12/20/2024</a:t>
             </a:fld>
             <a:endParaRPr lang="en-US"/>
           </a:p>
@@ -1147,13 +997,7 @@
       </p:sp>
       <p:sp>
         <p:nvSpPr>
-          <p:cNvPr id="5" name="Footer Placeholder 4">
-            <a:extLst>
-              <a:ext uri="{FF2B5EF4-FFF2-40B4-BE49-F238E27FC236}">
-                <a16:creationId xmlns:a16="http://schemas.microsoft.com/office/drawing/2014/main" id="{B8702E05-D7A4-4D5A-1B07-6E8F25040CD6}"/>
-              </a:ext>
-            </a:extLst>
-          </p:cNvPr>
+          <p:cNvPr id="5" name="Footer Placeholder 4"/>
           <p:cNvSpPr>
             <a:spLocks noGrp="1"/>
           </p:cNvSpPr>
@@ -1172,13 +1016,7 @@
       </p:sp>
       <p:sp>
         <p:nvSpPr>
-          <p:cNvPr id="6" name="Slide Number Placeholder 5">
-            <a:extLst>
-              <a:ext uri="{FF2B5EF4-FFF2-40B4-BE49-F238E27FC236}">
-                <a16:creationId xmlns:a16="http://schemas.microsoft.com/office/drawing/2014/main" id="{8B20643E-58EF-F8F5-EADF-A430F3C88EA0}"/>
-              </a:ext>
-            </a:extLst>
-          </p:cNvPr>
+          <p:cNvPr id="6" name="Slide Number Placeholder 5"/>
           <p:cNvSpPr>
             <a:spLocks noGrp="1"/>
           </p:cNvSpPr>
@@ -1193,18 +1031,12 @@
           <a:p>
             <a:fld id="{15B0F879-0EF3-714B-8339-AFD3FFD574A9}" type="slidenum">
               <a:rPr lang="en-US" smtClean="0"/>
-              <a:t>‹#›</a:t>
             </a:fld>
             <a:endParaRPr lang="en-US"/>
           </a:p>
         </p:txBody>
       </p:sp>
     </p:spTree>
-    <p:extLst>
-      <p:ext uri="{BB962C8B-B14F-4D97-AF65-F5344CB8AC3E}">
-        <p14:creationId xmlns:p14="http://schemas.microsoft.com/office/powerpoint/2010/main" val="2699837290"/>
-      </p:ext>
-    </p:extLst>
   </p:cSld>
   <p:clrMapOvr>
     <a:masterClrMapping/>
@@ -1231,13 +1063,7 @@
       </p:grpSpPr>
       <p:sp>
         <p:nvSpPr>
-          <p:cNvPr id="2" name="Title 1">
-            <a:extLst>
-              <a:ext uri="{FF2B5EF4-FFF2-40B4-BE49-F238E27FC236}">
-                <a16:creationId xmlns:a16="http://schemas.microsoft.com/office/drawing/2014/main" id="{4D9758F9-D427-F6C3-F9F7-33A9B36209BB}"/>
-              </a:ext>
-            </a:extLst>
-          </p:cNvPr>
+          <p:cNvPr id="2" name="Title 1"/>
           <p:cNvSpPr>
             <a:spLocks noGrp="1"/>
           </p:cNvSpPr>
@@ -1254,18 +1080,13 @@
               <a:rPr lang="en-US"/>
               <a:t>Click to edit Master title style</a:t>
             </a:r>
-          </a:p>
-        </p:txBody>
-      </p:sp>
-      <p:sp>
-        <p:nvSpPr>
-          <p:cNvPr id="3" name="Content Placeholder 2">
-            <a:extLst>
-              <a:ext uri="{FF2B5EF4-FFF2-40B4-BE49-F238E27FC236}">
-                <a16:creationId xmlns:a16="http://schemas.microsoft.com/office/drawing/2014/main" id="{2E64AD1A-A19F-1AE3-7ECB-DE74D4EA9967}"/>
-              </a:ext>
-            </a:extLst>
-          </p:cNvPr>
+            <a:endParaRPr lang="en-US"/>
+          </a:p>
+        </p:txBody>
+      </p:sp>
+      <p:sp>
+        <p:nvSpPr>
+          <p:cNvPr id="3" name="Content Placeholder 2"/>
           <p:cNvSpPr>
             <a:spLocks noGrp="1"/>
           </p:cNvSpPr>
@@ -1288,6 +1109,7 @@
               <a:rPr lang="en-US"/>
               <a:t>Click to edit Master text styles</a:t>
             </a:r>
+            <a:endParaRPr lang="en-US"/>
           </a:p>
           <a:p>
             <a:pPr lvl="1"/>
@@ -1295,6 +1117,7 @@
               <a:rPr lang="en-US"/>
               <a:t>Second level</a:t>
             </a:r>
+            <a:endParaRPr lang="en-US"/>
           </a:p>
           <a:p>
             <a:pPr lvl="2"/>
@@ -1302,6 +1125,7 @@
               <a:rPr lang="en-US"/>
               <a:t>Third level</a:t>
             </a:r>
+            <a:endParaRPr lang="en-US"/>
           </a:p>
           <a:p>
             <a:pPr lvl="3"/>
@@ -1309,6 +1133,7 @@
               <a:rPr lang="en-US"/>
               <a:t>Fourth level</a:t>
             </a:r>
+            <a:endParaRPr lang="en-US"/>
           </a:p>
           <a:p>
             <a:pPr lvl="4"/>
@@ -1316,18 +1141,13 @@
               <a:rPr lang="en-US"/>
               <a:t>Fifth level</a:t>
             </a:r>
-          </a:p>
-        </p:txBody>
-      </p:sp>
-      <p:sp>
-        <p:nvSpPr>
-          <p:cNvPr id="4" name="Content Placeholder 3">
-            <a:extLst>
-              <a:ext uri="{FF2B5EF4-FFF2-40B4-BE49-F238E27FC236}">
-                <a16:creationId xmlns:a16="http://schemas.microsoft.com/office/drawing/2014/main" id="{8867F310-1813-E629-695D-0482D31898BC}"/>
-              </a:ext>
-            </a:extLst>
-          </p:cNvPr>
+            <a:endParaRPr lang="en-US"/>
+          </a:p>
+        </p:txBody>
+      </p:sp>
+      <p:sp>
+        <p:nvSpPr>
+          <p:cNvPr id="4" name="Content Placeholder 3"/>
           <p:cNvSpPr>
             <a:spLocks noGrp="1"/>
           </p:cNvSpPr>
@@ -1350,6 +1170,7 @@
               <a:rPr lang="en-US"/>
               <a:t>Click to edit Master text styles</a:t>
             </a:r>
+            <a:endParaRPr lang="en-US"/>
           </a:p>
           <a:p>
             <a:pPr lvl="1"/>
@@ -1357,6 +1178,7 @@
               <a:rPr lang="en-US"/>
               <a:t>Second level</a:t>
             </a:r>
+            <a:endParaRPr lang="en-US"/>
           </a:p>
           <a:p>
             <a:pPr lvl="2"/>
@@ -1364,6 +1186,7 @@
               <a:rPr lang="en-US"/>
               <a:t>Third level</a:t>
             </a:r>
+            <a:endParaRPr lang="en-US"/>
           </a:p>
           <a:p>
             <a:pPr lvl="3"/>
@@ -1371,6 +1194,7 @@
               <a:rPr lang="en-US"/>
               <a:t>Fourth level</a:t>
             </a:r>
+            <a:endParaRPr lang="en-US"/>
           </a:p>
           <a:p>
             <a:pPr lvl="4"/>
@@ -1378,18 +1202,13 @@
               <a:rPr lang="en-US"/>
               <a:t>Fifth level</a:t>
             </a:r>
-          </a:p>
-        </p:txBody>
-      </p:sp>
-      <p:sp>
-        <p:nvSpPr>
-          <p:cNvPr id="5" name="Date Placeholder 4">
-            <a:extLst>
-              <a:ext uri="{FF2B5EF4-FFF2-40B4-BE49-F238E27FC236}">
-                <a16:creationId xmlns:a16="http://schemas.microsoft.com/office/drawing/2014/main" id="{14B826AD-E8BA-0474-F27B-A197A04CCB80}"/>
-              </a:ext>
-            </a:extLst>
-          </p:cNvPr>
+            <a:endParaRPr lang="en-US"/>
+          </a:p>
+        </p:txBody>
+      </p:sp>
+      <p:sp>
+        <p:nvSpPr>
+          <p:cNvPr id="5" name="Date Placeholder 4"/>
           <p:cNvSpPr>
             <a:spLocks noGrp="1"/>
           </p:cNvSpPr>
@@ -1404,7 +1223,6 @@
           <a:p>
             <a:fld id="{2A73CDD0-50B5-A841-83F2-9EA635F0F434}" type="datetimeFigureOut">
               <a:rPr lang="en-US" smtClean="0"/>
-              <a:t>12/20/2024</a:t>
             </a:fld>
             <a:endParaRPr lang="en-US"/>
           </a:p>
@@ -1412,13 +1230,7 @@
       </p:sp>
       <p:sp>
         <p:nvSpPr>
-          <p:cNvPr id="6" name="Footer Placeholder 5">
-            <a:extLst>
-              <a:ext uri="{FF2B5EF4-FFF2-40B4-BE49-F238E27FC236}">
-                <a16:creationId xmlns:a16="http://schemas.microsoft.com/office/drawing/2014/main" id="{AC0C92AD-DD19-48AC-BBA3-D101DB2DD717}"/>
-              </a:ext>
-            </a:extLst>
-          </p:cNvPr>
+          <p:cNvPr id="6" name="Footer Placeholder 5"/>
           <p:cNvSpPr>
             <a:spLocks noGrp="1"/>
           </p:cNvSpPr>
@@ -1437,13 +1249,7 @@
       </p:sp>
       <p:sp>
         <p:nvSpPr>
-          <p:cNvPr id="7" name="Slide Number Placeholder 6">
-            <a:extLst>
-              <a:ext uri="{FF2B5EF4-FFF2-40B4-BE49-F238E27FC236}">
-                <a16:creationId xmlns:a16="http://schemas.microsoft.com/office/drawing/2014/main" id="{C4E70C23-2B22-3912-35EF-0B5B040E782E}"/>
-              </a:ext>
-            </a:extLst>
-          </p:cNvPr>
+          <p:cNvPr id="7" name="Slide Number Placeholder 6"/>
           <p:cNvSpPr>
             <a:spLocks noGrp="1"/>
           </p:cNvSpPr>
@@ -1458,18 +1264,12 @@
           <a:p>
             <a:fld id="{15B0F879-0EF3-714B-8339-AFD3FFD574A9}" type="slidenum">
               <a:rPr lang="en-US" smtClean="0"/>
-              <a:t>‹#›</a:t>
             </a:fld>
             <a:endParaRPr lang="en-US"/>
           </a:p>
         </p:txBody>
       </p:sp>
     </p:spTree>
-    <p:extLst>
-      <p:ext uri="{BB962C8B-B14F-4D97-AF65-F5344CB8AC3E}">
-        <p14:creationId xmlns:p14="http://schemas.microsoft.com/office/powerpoint/2010/main" val="4005406372"/>
-      </p:ext>
-    </p:extLst>
   </p:cSld>
   <p:clrMapOvr>
     <a:masterClrMapping/>
@@ -1496,13 +1296,7 @@
       </p:grpSpPr>
       <p:sp>
         <p:nvSpPr>
-          <p:cNvPr id="2" name="Title 1">
-            <a:extLst>
-              <a:ext uri="{FF2B5EF4-FFF2-40B4-BE49-F238E27FC236}">
-                <a16:creationId xmlns:a16="http://schemas.microsoft.com/office/drawing/2014/main" id="{6BE33966-CE18-9F45-5119-EFADEC8E3F4A}"/>
-              </a:ext>
-            </a:extLst>
-          </p:cNvPr>
+          <p:cNvPr id="2" name="Title 1"/>
           <p:cNvSpPr>
             <a:spLocks noGrp="1"/>
           </p:cNvSpPr>
@@ -1524,18 +1318,13 @@
               <a:rPr lang="en-US"/>
               <a:t>Click to edit Master title style</a:t>
             </a:r>
-          </a:p>
-        </p:txBody>
-      </p:sp>
-      <p:sp>
-        <p:nvSpPr>
-          <p:cNvPr id="3" name="Text Placeholder 2">
-            <a:extLst>
-              <a:ext uri="{FF2B5EF4-FFF2-40B4-BE49-F238E27FC236}">
-                <a16:creationId xmlns:a16="http://schemas.microsoft.com/office/drawing/2014/main" id="{F1AB816C-92AE-D2CC-C92A-1FBA3FF1368D}"/>
-              </a:ext>
-            </a:extLst>
-          </p:cNvPr>
+            <a:endParaRPr lang="en-US"/>
+          </a:p>
+        </p:txBody>
+      </p:sp>
+      <p:sp>
+        <p:nvSpPr>
+          <p:cNvPr id="3" name="Text Placeholder 2"/>
           <p:cNvSpPr>
             <a:spLocks noGrp="1"/>
           </p:cNvSpPr>
@@ -1595,18 +1384,13 @@
               <a:rPr lang="en-US"/>
               <a:t>Click to edit Master text styles</a:t>
             </a:r>
-          </a:p>
-        </p:txBody>
-      </p:sp>
-      <p:sp>
-        <p:nvSpPr>
-          <p:cNvPr id="4" name="Content Placeholder 3">
-            <a:extLst>
-              <a:ext uri="{FF2B5EF4-FFF2-40B4-BE49-F238E27FC236}">
-                <a16:creationId xmlns:a16="http://schemas.microsoft.com/office/drawing/2014/main" id="{D755E49D-DFB8-401C-A953-E16620CAAAB8}"/>
-              </a:ext>
-            </a:extLst>
-          </p:cNvPr>
+            <a:endParaRPr lang="en-US"/>
+          </a:p>
+        </p:txBody>
+      </p:sp>
+      <p:sp>
+        <p:nvSpPr>
+          <p:cNvPr id="4" name="Content Placeholder 3"/>
           <p:cNvSpPr>
             <a:spLocks noGrp="1"/>
           </p:cNvSpPr>
@@ -1629,6 +1413,7 @@
               <a:rPr lang="en-US"/>
               <a:t>Click to edit Master text styles</a:t>
             </a:r>
+            <a:endParaRPr lang="en-US"/>
           </a:p>
           <a:p>
             <a:pPr lvl="1"/>
@@ -1636,6 +1421,7 @@
               <a:rPr lang="en-US"/>
               <a:t>Second level</a:t>
             </a:r>
+            <a:endParaRPr lang="en-US"/>
           </a:p>
           <a:p>
             <a:pPr lvl="2"/>
@@ -1643,6 +1429,7 @@
               <a:rPr lang="en-US"/>
               <a:t>Third level</a:t>
             </a:r>
+            <a:endParaRPr lang="en-US"/>
           </a:p>
           <a:p>
             <a:pPr lvl="3"/>
@@ -1650,6 +1437,7 @@
               <a:rPr lang="en-US"/>
               <a:t>Fourth level</a:t>
             </a:r>
+            <a:endParaRPr lang="en-US"/>
           </a:p>
           <a:p>
             <a:pPr lvl="4"/>
@@ -1657,18 +1445,13 @@
               <a:rPr lang="en-US"/>
               <a:t>Fifth level</a:t>
             </a:r>
-          </a:p>
-        </p:txBody>
-      </p:sp>
-      <p:sp>
-        <p:nvSpPr>
-          <p:cNvPr id="5" name="Text Placeholder 4">
-            <a:extLst>
-              <a:ext uri="{FF2B5EF4-FFF2-40B4-BE49-F238E27FC236}">
-                <a16:creationId xmlns:a16="http://schemas.microsoft.com/office/drawing/2014/main" id="{40472769-9100-2B7C-50EA-1F08A9CB4D67}"/>
-              </a:ext>
-            </a:extLst>
-          </p:cNvPr>
+            <a:endParaRPr lang="en-US"/>
+          </a:p>
+        </p:txBody>
+      </p:sp>
+      <p:sp>
+        <p:nvSpPr>
+          <p:cNvPr id="5" name="Text Placeholder 4"/>
           <p:cNvSpPr>
             <a:spLocks noGrp="1"/>
           </p:cNvSpPr>
@@ -1728,18 +1511,13 @@
               <a:rPr lang="en-US"/>
               <a:t>Click to edit Master text styles</a:t>
             </a:r>
-          </a:p>
-        </p:txBody>
-      </p:sp>
-      <p:sp>
-        <p:nvSpPr>
-          <p:cNvPr id="6" name="Content Placeholder 5">
-            <a:extLst>
-              <a:ext uri="{FF2B5EF4-FFF2-40B4-BE49-F238E27FC236}">
-                <a16:creationId xmlns:a16="http://schemas.microsoft.com/office/drawing/2014/main" id="{79B1CF17-E87A-D842-681A-A3E881386EE3}"/>
-              </a:ext>
-            </a:extLst>
-          </p:cNvPr>
+            <a:endParaRPr lang="en-US"/>
+          </a:p>
+        </p:txBody>
+      </p:sp>
+      <p:sp>
+        <p:nvSpPr>
+          <p:cNvPr id="6" name="Content Placeholder 5"/>
           <p:cNvSpPr>
             <a:spLocks noGrp="1"/>
           </p:cNvSpPr>
@@ -1762,6 +1540,7 @@
               <a:rPr lang="en-US"/>
               <a:t>Click to edit Master text styles</a:t>
             </a:r>
+            <a:endParaRPr lang="en-US"/>
           </a:p>
           <a:p>
             <a:pPr lvl="1"/>
@@ -1769,6 +1548,7 @@
               <a:rPr lang="en-US"/>
               <a:t>Second level</a:t>
             </a:r>
+            <a:endParaRPr lang="en-US"/>
           </a:p>
           <a:p>
             <a:pPr lvl="2"/>
@@ -1776,6 +1556,7 @@
               <a:rPr lang="en-US"/>
               <a:t>Third level</a:t>
             </a:r>
+            <a:endParaRPr lang="en-US"/>
           </a:p>
           <a:p>
             <a:pPr lvl="3"/>
@@ -1783,6 +1564,7 @@
               <a:rPr lang="en-US"/>
               <a:t>Fourth level</a:t>
             </a:r>
+            <a:endParaRPr lang="en-US"/>
           </a:p>
           <a:p>
             <a:pPr lvl="4"/>
@@ -1790,18 +1572,13 @@
               <a:rPr lang="en-US"/>
               <a:t>Fifth level</a:t>
             </a:r>
-          </a:p>
-        </p:txBody>
-      </p:sp>
-      <p:sp>
-        <p:nvSpPr>
-          <p:cNvPr id="7" name="Date Placeholder 6">
-            <a:extLst>
-              <a:ext uri="{FF2B5EF4-FFF2-40B4-BE49-F238E27FC236}">
-                <a16:creationId xmlns:a16="http://schemas.microsoft.com/office/drawing/2014/main" id="{97A72FCF-2098-B869-DC70-F03345347F70}"/>
-              </a:ext>
-            </a:extLst>
-          </p:cNvPr>
+            <a:endParaRPr lang="en-US"/>
+          </a:p>
+        </p:txBody>
+      </p:sp>
+      <p:sp>
+        <p:nvSpPr>
+          <p:cNvPr id="7" name="Date Placeholder 6"/>
           <p:cNvSpPr>
             <a:spLocks noGrp="1"/>
           </p:cNvSpPr>
@@ -1816,7 +1593,6 @@
           <a:p>
             <a:fld id="{2A73CDD0-50B5-A841-83F2-9EA635F0F434}" type="datetimeFigureOut">
               <a:rPr lang="en-US" smtClean="0"/>
-              <a:t>12/20/2024</a:t>
             </a:fld>
             <a:endParaRPr lang="en-US"/>
           </a:p>
@@ -1824,13 +1600,7 @@
       </p:sp>
       <p:sp>
         <p:nvSpPr>
-          <p:cNvPr id="8" name="Footer Placeholder 7">
-            <a:extLst>
-              <a:ext uri="{FF2B5EF4-FFF2-40B4-BE49-F238E27FC236}">
-                <a16:creationId xmlns:a16="http://schemas.microsoft.com/office/drawing/2014/main" id="{F464BA33-35BA-186A-18EC-F8548A68ACFA}"/>
-              </a:ext>
-            </a:extLst>
-          </p:cNvPr>
+          <p:cNvPr id="8" name="Footer Placeholder 7"/>
           <p:cNvSpPr>
             <a:spLocks noGrp="1"/>
           </p:cNvSpPr>
@@ -1849,13 +1619,7 @@
       </p:sp>
       <p:sp>
         <p:nvSpPr>
-          <p:cNvPr id="9" name="Slide Number Placeholder 8">
-            <a:extLst>
-              <a:ext uri="{FF2B5EF4-FFF2-40B4-BE49-F238E27FC236}">
-                <a16:creationId xmlns:a16="http://schemas.microsoft.com/office/drawing/2014/main" id="{0DFE99FB-0774-41CC-CB9A-5A70C224A47F}"/>
-              </a:ext>
-            </a:extLst>
-          </p:cNvPr>
+          <p:cNvPr id="9" name="Slide Number Placeholder 8"/>
           <p:cNvSpPr>
             <a:spLocks noGrp="1"/>
           </p:cNvSpPr>
@@ -1870,18 +1634,12 @@
           <a:p>
             <a:fld id="{15B0F879-0EF3-714B-8339-AFD3FFD574A9}" type="slidenum">
               <a:rPr lang="en-US" smtClean="0"/>
-              <a:t>‹#›</a:t>
             </a:fld>
             <a:endParaRPr lang="en-US"/>
           </a:p>
         </p:txBody>
       </p:sp>
     </p:spTree>
-    <p:extLst>
-      <p:ext uri="{BB962C8B-B14F-4D97-AF65-F5344CB8AC3E}">
-        <p14:creationId xmlns:p14="http://schemas.microsoft.com/office/powerpoint/2010/main" val="1597739498"/>
-      </p:ext>
-    </p:extLst>
   </p:cSld>
   <p:clrMapOvr>
     <a:masterClrMapping/>
@@ -1908,13 +1666,7 @@
       </p:grpSpPr>
       <p:sp>
         <p:nvSpPr>
-          <p:cNvPr id="2" name="Title 1">
-            <a:extLst>
-              <a:ext uri="{FF2B5EF4-FFF2-40B4-BE49-F238E27FC236}">
-                <a16:creationId xmlns:a16="http://schemas.microsoft.com/office/drawing/2014/main" id="{3D600059-FEE0-A6CF-3DB3-A1252E42AFC2}"/>
-              </a:ext>
-            </a:extLst>
-          </p:cNvPr>
+          <p:cNvPr id="2" name="Title 1"/>
           <p:cNvSpPr>
             <a:spLocks noGrp="1"/>
           </p:cNvSpPr>
@@ -1931,18 +1683,13 @@
               <a:rPr lang="en-US"/>
               <a:t>Click to edit Master title style</a:t>
             </a:r>
-          </a:p>
-        </p:txBody>
-      </p:sp>
-      <p:sp>
-        <p:nvSpPr>
-          <p:cNvPr id="3" name="Date Placeholder 2">
-            <a:extLst>
-              <a:ext uri="{FF2B5EF4-FFF2-40B4-BE49-F238E27FC236}">
-                <a16:creationId xmlns:a16="http://schemas.microsoft.com/office/drawing/2014/main" id="{3F4DE2A5-4854-1A2B-3513-1B7A8AA5DCEC}"/>
-              </a:ext>
-            </a:extLst>
-          </p:cNvPr>
+            <a:endParaRPr lang="en-US"/>
+          </a:p>
+        </p:txBody>
+      </p:sp>
+      <p:sp>
+        <p:nvSpPr>
+          <p:cNvPr id="3" name="Date Placeholder 2"/>
           <p:cNvSpPr>
             <a:spLocks noGrp="1"/>
           </p:cNvSpPr>
@@ -1957,7 +1704,6 @@
           <a:p>
             <a:fld id="{2A73CDD0-50B5-A841-83F2-9EA635F0F434}" type="datetimeFigureOut">
               <a:rPr lang="en-US" smtClean="0"/>
-              <a:t>12/20/2024</a:t>
             </a:fld>
             <a:endParaRPr lang="en-US"/>
           </a:p>
@@ -1965,13 +1711,7 @@
       </p:sp>
       <p:sp>
         <p:nvSpPr>
-          <p:cNvPr id="4" name="Footer Placeholder 3">
-            <a:extLst>
-              <a:ext uri="{FF2B5EF4-FFF2-40B4-BE49-F238E27FC236}">
-                <a16:creationId xmlns:a16="http://schemas.microsoft.com/office/drawing/2014/main" id="{09E954F6-D09D-3D6C-3519-F8B82BC57F77}"/>
-              </a:ext>
-            </a:extLst>
-          </p:cNvPr>
+          <p:cNvPr id="4" name="Footer Placeholder 3"/>
           <p:cNvSpPr>
             <a:spLocks noGrp="1"/>
           </p:cNvSpPr>
@@ -1990,13 +1730,7 @@
       </p:sp>
       <p:sp>
         <p:nvSpPr>
-          <p:cNvPr id="5" name="Slide Number Placeholder 4">
-            <a:extLst>
-              <a:ext uri="{FF2B5EF4-FFF2-40B4-BE49-F238E27FC236}">
-                <a16:creationId xmlns:a16="http://schemas.microsoft.com/office/drawing/2014/main" id="{3BD5A063-2F88-0FD5-17DA-E77A64542A36}"/>
-              </a:ext>
-            </a:extLst>
-          </p:cNvPr>
+          <p:cNvPr id="5" name="Slide Number Placeholder 4"/>
           <p:cNvSpPr>
             <a:spLocks noGrp="1"/>
           </p:cNvSpPr>
@@ -2011,18 +1745,12 @@
           <a:p>
             <a:fld id="{15B0F879-0EF3-714B-8339-AFD3FFD574A9}" type="slidenum">
               <a:rPr lang="en-US" smtClean="0"/>
-              <a:t>‹#›</a:t>
             </a:fld>
             <a:endParaRPr lang="en-US"/>
           </a:p>
         </p:txBody>
       </p:sp>
     </p:spTree>
-    <p:extLst>
-      <p:ext uri="{BB962C8B-B14F-4D97-AF65-F5344CB8AC3E}">
-        <p14:creationId xmlns:p14="http://schemas.microsoft.com/office/powerpoint/2010/main" val="1586246102"/>
-      </p:ext>
-    </p:extLst>
   </p:cSld>
   <p:clrMapOvr>
     <a:masterClrMapping/>
@@ -2049,13 +1777,7 @@
       </p:grpSpPr>
       <p:sp>
         <p:nvSpPr>
-          <p:cNvPr id="2" name="Date Placeholder 1">
-            <a:extLst>
-              <a:ext uri="{FF2B5EF4-FFF2-40B4-BE49-F238E27FC236}">
-                <a16:creationId xmlns:a16="http://schemas.microsoft.com/office/drawing/2014/main" id="{5C6D819F-51EB-EC0B-184A-762DA3CD09BD}"/>
-              </a:ext>
-            </a:extLst>
-          </p:cNvPr>
+          <p:cNvPr id="2" name="Date Placeholder 1"/>
           <p:cNvSpPr>
             <a:spLocks noGrp="1"/>
           </p:cNvSpPr>
@@ -2070,7 +1792,6 @@
           <a:p>
             <a:fld id="{2A73CDD0-50B5-A841-83F2-9EA635F0F434}" type="datetimeFigureOut">
               <a:rPr lang="en-US" smtClean="0"/>
-              <a:t>12/20/2024</a:t>
             </a:fld>
             <a:endParaRPr lang="en-US"/>
           </a:p>
@@ -2078,13 +1799,7 @@
       </p:sp>
       <p:sp>
         <p:nvSpPr>
-          <p:cNvPr id="3" name="Footer Placeholder 2">
-            <a:extLst>
-              <a:ext uri="{FF2B5EF4-FFF2-40B4-BE49-F238E27FC236}">
-                <a16:creationId xmlns:a16="http://schemas.microsoft.com/office/drawing/2014/main" id="{985CCF26-6427-0D25-B8F7-234C7841CD2A}"/>
-              </a:ext>
-            </a:extLst>
-          </p:cNvPr>
+          <p:cNvPr id="3" name="Footer Placeholder 2"/>
           <p:cNvSpPr>
             <a:spLocks noGrp="1"/>
           </p:cNvSpPr>
@@ -2103,13 +1818,7 @@
       </p:sp>
       <p:sp>
         <p:nvSpPr>
-          <p:cNvPr id="4" name="Slide Number Placeholder 3">
-            <a:extLst>
-              <a:ext uri="{FF2B5EF4-FFF2-40B4-BE49-F238E27FC236}">
-                <a16:creationId xmlns:a16="http://schemas.microsoft.com/office/drawing/2014/main" id="{9DB5323C-9AF8-C056-12D6-081744829C94}"/>
-              </a:ext>
-            </a:extLst>
-          </p:cNvPr>
+          <p:cNvPr id="4" name="Slide Number Placeholder 3"/>
           <p:cNvSpPr>
             <a:spLocks noGrp="1"/>
           </p:cNvSpPr>
@@ -2124,18 +1833,12 @@
           <a:p>
             <a:fld id="{15B0F879-0EF3-714B-8339-AFD3FFD574A9}" type="slidenum">
               <a:rPr lang="en-US" smtClean="0"/>
-              <a:t>‹#›</a:t>
             </a:fld>
             <a:endParaRPr lang="en-US"/>
           </a:p>
         </p:txBody>
       </p:sp>
     </p:spTree>
-    <p:extLst>
-      <p:ext uri="{BB962C8B-B14F-4D97-AF65-F5344CB8AC3E}">
-        <p14:creationId xmlns:p14="http://schemas.microsoft.com/office/powerpoint/2010/main" val="4205054933"/>
-      </p:ext>
-    </p:extLst>
   </p:cSld>
   <p:clrMapOvr>
     <a:masterClrMapping/>
@@ -2162,13 +1865,7 @@
       </p:grpSpPr>
       <p:sp>
         <p:nvSpPr>
-          <p:cNvPr id="2" name="Title 1">
-            <a:extLst>
-              <a:ext uri="{FF2B5EF4-FFF2-40B4-BE49-F238E27FC236}">
-                <a16:creationId xmlns:a16="http://schemas.microsoft.com/office/drawing/2014/main" id="{E26623D4-67C2-4E1A-27A4-41622AD89099}"/>
-              </a:ext>
-            </a:extLst>
-          </p:cNvPr>
+          <p:cNvPr id="2" name="Title 1"/>
           <p:cNvSpPr>
             <a:spLocks noGrp="1"/>
           </p:cNvSpPr>
@@ -2194,18 +1891,13 @@
               <a:rPr lang="en-US"/>
               <a:t>Click to edit Master title style</a:t>
             </a:r>
-          </a:p>
-        </p:txBody>
-      </p:sp>
-      <p:sp>
-        <p:nvSpPr>
-          <p:cNvPr id="3" name="Content Placeholder 2">
-            <a:extLst>
-              <a:ext uri="{FF2B5EF4-FFF2-40B4-BE49-F238E27FC236}">
-                <a16:creationId xmlns:a16="http://schemas.microsoft.com/office/drawing/2014/main" id="{726AD270-74AE-EDDB-EEE2-720AF4093A60}"/>
-              </a:ext>
-            </a:extLst>
-          </p:cNvPr>
+            <a:endParaRPr lang="en-US"/>
+          </a:p>
+        </p:txBody>
+      </p:sp>
+      <p:sp>
+        <p:nvSpPr>
+          <p:cNvPr id="3" name="Content Placeholder 2"/>
           <p:cNvSpPr>
             <a:spLocks noGrp="1"/>
           </p:cNvSpPr>
@@ -2256,6 +1948,7 @@
               <a:rPr lang="en-US"/>
               <a:t>Click to edit Master text styles</a:t>
             </a:r>
+            <a:endParaRPr lang="en-US"/>
           </a:p>
           <a:p>
             <a:pPr lvl="1"/>
@@ -2263,6 +1956,7 @@
               <a:rPr lang="en-US"/>
               <a:t>Second level</a:t>
             </a:r>
+            <a:endParaRPr lang="en-US"/>
           </a:p>
           <a:p>
             <a:pPr lvl="2"/>
@@ -2270,6 +1964,7 @@
               <a:rPr lang="en-US"/>
               <a:t>Third level</a:t>
             </a:r>
+            <a:endParaRPr lang="en-US"/>
           </a:p>
           <a:p>
             <a:pPr lvl="3"/>
@@ -2277,6 +1972,7 @@
               <a:rPr lang="en-US"/>
               <a:t>Fourth level</a:t>
             </a:r>
+            <a:endParaRPr lang="en-US"/>
           </a:p>
           <a:p>
             <a:pPr lvl="4"/>
@@ -2284,18 +1980,13 @@
               <a:rPr lang="en-US"/>
               <a:t>Fifth level</a:t>
             </a:r>
-          </a:p>
-        </p:txBody>
-      </p:sp>
-      <p:sp>
-        <p:nvSpPr>
-          <p:cNvPr id="4" name="Text Placeholder 3">
-            <a:extLst>
-              <a:ext uri="{FF2B5EF4-FFF2-40B4-BE49-F238E27FC236}">
-                <a16:creationId xmlns:a16="http://schemas.microsoft.com/office/drawing/2014/main" id="{1410D421-DF1D-1F4A-8DEE-279A4CE37672}"/>
-              </a:ext>
-            </a:extLst>
-          </p:cNvPr>
+            <a:endParaRPr lang="en-US"/>
+          </a:p>
+        </p:txBody>
+      </p:sp>
+      <p:sp>
+        <p:nvSpPr>
+          <p:cNvPr id="4" name="Text Placeholder 3"/>
           <p:cNvSpPr>
             <a:spLocks noGrp="1"/>
           </p:cNvSpPr>
@@ -2355,18 +2046,13 @@
               <a:rPr lang="en-US"/>
               <a:t>Click to edit Master text styles</a:t>
             </a:r>
-          </a:p>
-        </p:txBody>
-      </p:sp>
-      <p:sp>
-        <p:nvSpPr>
-          <p:cNvPr id="5" name="Date Placeholder 4">
-            <a:extLst>
-              <a:ext uri="{FF2B5EF4-FFF2-40B4-BE49-F238E27FC236}">
-                <a16:creationId xmlns:a16="http://schemas.microsoft.com/office/drawing/2014/main" id="{1D34BF92-49DA-C5D7-EFAE-E9288EBC4479}"/>
-              </a:ext>
-            </a:extLst>
-          </p:cNvPr>
+            <a:endParaRPr lang="en-US"/>
+          </a:p>
+        </p:txBody>
+      </p:sp>
+      <p:sp>
+        <p:nvSpPr>
+          <p:cNvPr id="5" name="Date Placeholder 4"/>
           <p:cNvSpPr>
             <a:spLocks noGrp="1"/>
           </p:cNvSpPr>
@@ -2381,7 +2067,6 @@
           <a:p>
             <a:fld id="{2A73CDD0-50B5-A841-83F2-9EA635F0F434}" type="datetimeFigureOut">
               <a:rPr lang="en-US" smtClean="0"/>
-              <a:t>12/20/2024</a:t>
             </a:fld>
             <a:endParaRPr lang="en-US"/>
           </a:p>
@@ -2389,13 +2074,7 @@
       </p:sp>
       <p:sp>
         <p:nvSpPr>
-          <p:cNvPr id="6" name="Footer Placeholder 5">
-            <a:extLst>
-              <a:ext uri="{FF2B5EF4-FFF2-40B4-BE49-F238E27FC236}">
-                <a16:creationId xmlns:a16="http://schemas.microsoft.com/office/drawing/2014/main" id="{7F0FC392-70DA-0D88-5354-CA8C4B2F39B9}"/>
-              </a:ext>
-            </a:extLst>
-          </p:cNvPr>
+          <p:cNvPr id="6" name="Footer Placeholder 5"/>
           <p:cNvSpPr>
             <a:spLocks noGrp="1"/>
           </p:cNvSpPr>
@@ -2414,13 +2093,7 @@
       </p:sp>
       <p:sp>
         <p:nvSpPr>
-          <p:cNvPr id="7" name="Slide Number Placeholder 6">
-            <a:extLst>
-              <a:ext uri="{FF2B5EF4-FFF2-40B4-BE49-F238E27FC236}">
-                <a16:creationId xmlns:a16="http://schemas.microsoft.com/office/drawing/2014/main" id="{044F9AF1-DC87-F2A7-DAC5-02D47468059D}"/>
-              </a:ext>
-            </a:extLst>
-          </p:cNvPr>
+          <p:cNvPr id="7" name="Slide Number Placeholder 6"/>
           <p:cNvSpPr>
             <a:spLocks noGrp="1"/>
           </p:cNvSpPr>
@@ -2435,18 +2108,12 @@
           <a:p>
             <a:fld id="{15B0F879-0EF3-714B-8339-AFD3FFD574A9}" type="slidenum">
               <a:rPr lang="en-US" smtClean="0"/>
-              <a:t>‹#›</a:t>
             </a:fld>
             <a:endParaRPr lang="en-US"/>
           </a:p>
         </p:txBody>
       </p:sp>
     </p:spTree>
-    <p:extLst>
-      <p:ext uri="{BB962C8B-B14F-4D97-AF65-F5344CB8AC3E}">
-        <p14:creationId xmlns:p14="http://schemas.microsoft.com/office/powerpoint/2010/main" val="3285384704"/>
-      </p:ext>
-    </p:extLst>
   </p:cSld>
   <p:clrMapOvr>
     <a:masterClrMapping/>
@@ -2473,13 +2140,7 @@
       </p:grpSpPr>
       <p:sp>
         <p:nvSpPr>
-          <p:cNvPr id="2" name="Title 1">
-            <a:extLst>
-              <a:ext uri="{FF2B5EF4-FFF2-40B4-BE49-F238E27FC236}">
-                <a16:creationId xmlns:a16="http://schemas.microsoft.com/office/drawing/2014/main" id="{4D334BB0-CBCA-7F78-8389-384BF4D67C1D}"/>
-              </a:ext>
-            </a:extLst>
-          </p:cNvPr>
+          <p:cNvPr id="2" name="Title 1"/>
           <p:cNvSpPr>
             <a:spLocks noGrp="1"/>
           </p:cNvSpPr>
@@ -2505,18 +2166,13 @@
               <a:rPr lang="en-US"/>
               <a:t>Click to edit Master title style</a:t>
             </a:r>
-          </a:p>
-        </p:txBody>
-      </p:sp>
-      <p:sp>
-        <p:nvSpPr>
-          <p:cNvPr id="3" name="Picture Placeholder 2">
-            <a:extLst>
-              <a:ext uri="{FF2B5EF4-FFF2-40B4-BE49-F238E27FC236}">
-                <a16:creationId xmlns:a16="http://schemas.microsoft.com/office/drawing/2014/main" id="{C77AB376-7950-EE4D-C9A5-39F9B18D3F07}"/>
-              </a:ext>
-            </a:extLst>
-          </p:cNvPr>
+            <a:endParaRPr lang="en-US"/>
+          </a:p>
+        </p:txBody>
+      </p:sp>
+      <p:sp>
+        <p:nvSpPr>
+          <p:cNvPr id="3" name="Picture Placeholder 2"/>
           <p:cNvSpPr>
             <a:spLocks noGrp="1"/>
           </p:cNvSpPr>
@@ -2577,13 +2233,7 @@
       </p:sp>
       <p:sp>
         <p:nvSpPr>
-          <p:cNvPr id="4" name="Text Placeholder 3">
-            <a:extLst>
-              <a:ext uri="{FF2B5EF4-FFF2-40B4-BE49-F238E27FC236}">
-                <a16:creationId xmlns:a16="http://schemas.microsoft.com/office/drawing/2014/main" id="{88C352DA-4B88-C5AF-19C1-732C0A885699}"/>
-              </a:ext>
-            </a:extLst>
-          </p:cNvPr>
+          <p:cNvPr id="4" name="Text Placeholder 3"/>
           <p:cNvSpPr>
             <a:spLocks noGrp="1"/>
           </p:cNvSpPr>
@@ -2643,18 +2293,13 @@
               <a:rPr lang="en-US"/>
               <a:t>Click to edit Master text styles</a:t>
             </a:r>
-          </a:p>
-        </p:txBody>
-      </p:sp>
-      <p:sp>
-        <p:nvSpPr>
-          <p:cNvPr id="5" name="Date Placeholder 4">
-            <a:extLst>
-              <a:ext uri="{FF2B5EF4-FFF2-40B4-BE49-F238E27FC236}">
-                <a16:creationId xmlns:a16="http://schemas.microsoft.com/office/drawing/2014/main" id="{386F2372-4C8A-2BB1-6FA6-606DA6336184}"/>
-              </a:ext>
-            </a:extLst>
-          </p:cNvPr>
+            <a:endParaRPr lang="en-US"/>
+          </a:p>
+        </p:txBody>
+      </p:sp>
+      <p:sp>
+        <p:nvSpPr>
+          <p:cNvPr id="5" name="Date Placeholder 4"/>
           <p:cNvSpPr>
             <a:spLocks noGrp="1"/>
           </p:cNvSpPr>
@@ -2669,7 +2314,6 @@
           <a:p>
             <a:fld id="{2A73CDD0-50B5-A841-83F2-9EA635F0F434}" type="datetimeFigureOut">
               <a:rPr lang="en-US" smtClean="0"/>
-              <a:t>12/20/2024</a:t>
             </a:fld>
             <a:endParaRPr lang="en-US"/>
           </a:p>
@@ -2677,13 +2321,7 @@
       </p:sp>
       <p:sp>
         <p:nvSpPr>
-          <p:cNvPr id="6" name="Footer Placeholder 5">
-            <a:extLst>
-              <a:ext uri="{FF2B5EF4-FFF2-40B4-BE49-F238E27FC236}">
-                <a16:creationId xmlns:a16="http://schemas.microsoft.com/office/drawing/2014/main" id="{FD4BCFF1-A21E-1BFC-A9C3-F4305EB9D0B7}"/>
-              </a:ext>
-            </a:extLst>
-          </p:cNvPr>
+          <p:cNvPr id="6" name="Footer Placeholder 5"/>
           <p:cNvSpPr>
             <a:spLocks noGrp="1"/>
           </p:cNvSpPr>
@@ -2702,13 +2340,7 @@
       </p:sp>
       <p:sp>
         <p:nvSpPr>
-          <p:cNvPr id="7" name="Slide Number Placeholder 6">
-            <a:extLst>
-              <a:ext uri="{FF2B5EF4-FFF2-40B4-BE49-F238E27FC236}">
-                <a16:creationId xmlns:a16="http://schemas.microsoft.com/office/drawing/2014/main" id="{B6CCBD6A-87A0-0DF9-F55C-18BC0D8A19B2}"/>
-              </a:ext>
-            </a:extLst>
-          </p:cNvPr>
+          <p:cNvPr id="7" name="Slide Number Placeholder 6"/>
           <p:cNvSpPr>
             <a:spLocks noGrp="1"/>
           </p:cNvSpPr>
@@ -2723,18 +2355,12 @@
           <a:p>
             <a:fld id="{15B0F879-0EF3-714B-8339-AFD3FFD574A9}" type="slidenum">
               <a:rPr lang="en-US" smtClean="0"/>
-              <a:t>‹#›</a:t>
             </a:fld>
             <a:endParaRPr lang="en-US"/>
           </a:p>
         </p:txBody>
       </p:sp>
     </p:spTree>
-    <p:extLst>
-      <p:ext uri="{BB962C8B-B14F-4D97-AF65-F5344CB8AC3E}">
-        <p14:creationId xmlns:p14="http://schemas.microsoft.com/office/powerpoint/2010/main" val="3367555038"/>
-      </p:ext>
-    </p:extLst>
   </p:cSld>
   <p:clrMapOvr>
     <a:masterClrMapping/>
@@ -2766,13 +2392,7 @@
       </p:grpSpPr>
       <p:sp>
         <p:nvSpPr>
-          <p:cNvPr id="2" name="Title Placeholder 1">
-            <a:extLst>
-              <a:ext uri="{FF2B5EF4-FFF2-40B4-BE49-F238E27FC236}">
-                <a16:creationId xmlns:a16="http://schemas.microsoft.com/office/drawing/2014/main" id="{73C4B391-C6EE-838B-E347-EA52EDC62447}"/>
-              </a:ext>
-            </a:extLst>
-          </p:cNvPr>
+          <p:cNvPr id="2" name="Title Placeholder 1"/>
           <p:cNvSpPr>
             <a:spLocks noGrp="1"/>
           </p:cNvSpPr>
@@ -2799,18 +2419,13 @@
               <a:rPr lang="en-US"/>
               <a:t>Click to edit Master title style</a:t>
             </a:r>
-          </a:p>
-        </p:txBody>
-      </p:sp>
-      <p:sp>
-        <p:nvSpPr>
-          <p:cNvPr id="3" name="Text Placeholder 2">
-            <a:extLst>
-              <a:ext uri="{FF2B5EF4-FFF2-40B4-BE49-F238E27FC236}">
-                <a16:creationId xmlns:a16="http://schemas.microsoft.com/office/drawing/2014/main" id="{858373DF-AB52-B286-FC0F-A385A2CE0E2E}"/>
-              </a:ext>
-            </a:extLst>
-          </p:cNvPr>
+            <a:endParaRPr lang="en-US"/>
+          </a:p>
+        </p:txBody>
+      </p:sp>
+      <p:sp>
+        <p:nvSpPr>
+          <p:cNvPr id="3" name="Text Placeholder 2"/>
           <p:cNvSpPr>
             <a:spLocks noGrp="1"/>
           </p:cNvSpPr>
@@ -2838,6 +2453,7 @@
               <a:rPr lang="en-US"/>
               <a:t>Click to edit Master text styles</a:t>
             </a:r>
+            <a:endParaRPr lang="en-US"/>
           </a:p>
           <a:p>
             <a:pPr lvl="1"/>
@@ -2845,6 +2461,7 @@
               <a:rPr lang="en-US"/>
               <a:t>Second level</a:t>
             </a:r>
+            <a:endParaRPr lang="en-US"/>
           </a:p>
           <a:p>
             <a:pPr lvl="2"/>
@@ -2852,6 +2469,7 @@
               <a:rPr lang="en-US"/>
               <a:t>Third level</a:t>
             </a:r>
+            <a:endParaRPr lang="en-US"/>
           </a:p>
           <a:p>
             <a:pPr lvl="3"/>
@@ -2859,6 +2477,7 @@
               <a:rPr lang="en-US"/>
               <a:t>Fourth level</a:t>
             </a:r>
+            <a:endParaRPr lang="en-US"/>
           </a:p>
           <a:p>
             <a:pPr lvl="4"/>
@@ -2866,18 +2485,13 @@
               <a:rPr lang="en-US"/>
               <a:t>Fifth level</a:t>
             </a:r>
-          </a:p>
-        </p:txBody>
-      </p:sp>
-      <p:sp>
-        <p:nvSpPr>
-          <p:cNvPr id="4" name="Date Placeholder 3">
-            <a:extLst>
-              <a:ext uri="{FF2B5EF4-FFF2-40B4-BE49-F238E27FC236}">
-                <a16:creationId xmlns:a16="http://schemas.microsoft.com/office/drawing/2014/main" id="{225E40B5-0B9E-57E5-4F72-CA9172D7085C}"/>
-              </a:ext>
-            </a:extLst>
-          </p:cNvPr>
+            <a:endParaRPr lang="en-US"/>
+          </a:p>
+        </p:txBody>
+      </p:sp>
+      <p:sp>
+        <p:nvSpPr>
+          <p:cNvPr id="4" name="Date Placeholder 3"/>
           <p:cNvSpPr>
             <a:spLocks noGrp="1"/>
           </p:cNvSpPr>
@@ -2910,7 +2524,6 @@
           <a:p>
             <a:fld id="{2A73CDD0-50B5-A841-83F2-9EA635F0F434}" type="datetimeFigureOut">
               <a:rPr lang="en-US" smtClean="0"/>
-              <a:t>12/20/2024</a:t>
             </a:fld>
             <a:endParaRPr lang="en-US"/>
           </a:p>
@@ -2918,13 +2531,7 @@
       </p:sp>
       <p:sp>
         <p:nvSpPr>
-          <p:cNvPr id="5" name="Footer Placeholder 4">
-            <a:extLst>
-              <a:ext uri="{FF2B5EF4-FFF2-40B4-BE49-F238E27FC236}">
-                <a16:creationId xmlns:a16="http://schemas.microsoft.com/office/drawing/2014/main" id="{71D66F7F-F1AA-840E-367C-97FB5BC2DCDA}"/>
-              </a:ext>
-            </a:extLst>
-          </p:cNvPr>
+          <p:cNvPr id="5" name="Footer Placeholder 4"/>
           <p:cNvSpPr>
             <a:spLocks noGrp="1"/>
           </p:cNvSpPr>
@@ -2961,13 +2568,7 @@
       </p:sp>
       <p:sp>
         <p:nvSpPr>
-          <p:cNvPr id="6" name="Slide Number Placeholder 5">
-            <a:extLst>
-              <a:ext uri="{FF2B5EF4-FFF2-40B4-BE49-F238E27FC236}">
-                <a16:creationId xmlns:a16="http://schemas.microsoft.com/office/drawing/2014/main" id="{E073D235-C00A-3C03-975B-7FB83C11D02F}"/>
-              </a:ext>
-            </a:extLst>
-          </p:cNvPr>
+          <p:cNvPr id="6" name="Slide Number Placeholder 5"/>
           <p:cNvSpPr>
             <a:spLocks noGrp="1"/>
           </p:cNvSpPr>
@@ -3000,18 +2601,12 @@
           <a:p>
             <a:fld id="{15B0F879-0EF3-714B-8339-AFD3FFD574A9}" type="slidenum">
               <a:rPr lang="en-US" smtClean="0"/>
-              <a:t>‹#›</a:t>
             </a:fld>
             <a:endParaRPr lang="en-US"/>
           </a:p>
         </p:txBody>
       </p:sp>
     </p:spTree>
-    <p:extLst>
-      <p:ext uri="{BB962C8B-B14F-4D97-AF65-F5344CB8AC3E}">
-        <p14:creationId xmlns:p14="http://schemas.microsoft.com/office/powerpoint/2010/main" val="4110836386"/>
-      </p:ext>
-    </p:extLst>
   </p:cSld>
   <p:clrMap bg1="lt1" tx1="dk1" bg2="lt2" tx2="dk2" accent1="accent1" accent2="accent2" accent3="accent3" accent4="accent4" accent5="accent5" accent6="accent6" hlink="hlink" folHlink="folHlink"/>
   <p:sldLayoutIdLst>
@@ -3329,13 +2924,7 @@
       </p:grpSpPr>
       <p:sp>
         <p:nvSpPr>
-          <p:cNvPr id="5" name="Rectangle 4">
-            <a:extLst>
-              <a:ext uri="{FF2B5EF4-FFF2-40B4-BE49-F238E27FC236}">
-                <a16:creationId xmlns:a16="http://schemas.microsoft.com/office/drawing/2014/main" id="{73EBCF04-83B1-2702-D20E-EF65A681DB68}"/>
-              </a:ext>
-            </a:extLst>
-          </p:cNvPr>
+          <p:cNvPr id="5" name="Rectangle 4"/>
           <p:cNvSpPr/>
           <p:nvPr/>
         </p:nvSpPr>
@@ -3375,13 +2964,7 @@
       </p:sp>
       <p:sp>
         <p:nvSpPr>
-          <p:cNvPr id="7" name="Title 28">
-            <a:extLst>
-              <a:ext uri="{FF2B5EF4-FFF2-40B4-BE49-F238E27FC236}">
-                <a16:creationId xmlns:a16="http://schemas.microsoft.com/office/drawing/2014/main" id="{42B32D60-2860-1CB9-3157-E4C7AE884433}"/>
-              </a:ext>
-            </a:extLst>
-          </p:cNvPr>
+          <p:cNvPr id="7" name="Title 28"/>
           <p:cNvSpPr>
             <a:spLocks noGrp="1"/>
           </p:cNvSpPr>
@@ -3413,18 +2996,13 @@
               <a:rPr lang="en-US" sz="2000" dirty="0"/>
               <a:t>]</a:t>
             </a:r>
-          </a:p>
-        </p:txBody>
-      </p:sp>
-      <p:sp>
-        <p:nvSpPr>
-          <p:cNvPr id="9" name="Title 28">
-            <a:extLst>
-              <a:ext uri="{FF2B5EF4-FFF2-40B4-BE49-F238E27FC236}">
-                <a16:creationId xmlns:a16="http://schemas.microsoft.com/office/drawing/2014/main" id="{1826561F-43E0-0FC7-7058-C828FC96528D}"/>
-              </a:ext>
-            </a:extLst>
-          </p:cNvPr>
+            <a:endParaRPr lang="en-US" sz="2000" dirty="0"/>
+          </a:p>
+        </p:txBody>
+      </p:sp>
+      <p:sp>
+        <p:nvSpPr>
+          <p:cNvPr id="9" name="Title 28"/>
           <p:cNvSpPr>
             <a:spLocks noGrp="1"/>
           </p:cNvSpPr>
@@ -3456,18 +3034,74 @@
               <a:rPr lang="en-US" sz="1800" dirty="0"/>
               <a:t>]</a:t>
             </a:r>
+            <a:endParaRPr lang="en-US" sz="1800" dirty="0"/>
           </a:p>
         </p:txBody>
       </p:sp>
       <p:pic>
         <p:nvPicPr>
-          <p:cNvPr id="12" name="Picture 11">
+          <p:cNvPr id="12" name="Picture 11"/>
+          <p:cNvPicPr>
+            <a:picLocks noChangeAspect="1"/>
+          </p:cNvPicPr>
+          <p:nvPr/>
+        </p:nvPicPr>
+        <p:blipFill>
+          <a:blip r:embed="rId1">
             <a:extLst>
-              <a:ext uri="{FF2B5EF4-FFF2-40B4-BE49-F238E27FC236}">
-                <a16:creationId xmlns:a16="http://schemas.microsoft.com/office/drawing/2014/main" id="{75E56905-40BC-80A3-317C-972F0F48CB47}"/>
+              <a:ext uri="{28A0092B-C50C-407E-A947-70E740481C1C}">
+                <a14:useLocalDpi xmlns:a14="http://schemas.microsoft.com/office/drawing/2010/main" val="0"/>
               </a:ext>
             </a:extLst>
-          </p:cNvPr>
+          </a:blip>
+          <a:stretch>
+            <a:fillRect/>
+          </a:stretch>
+        </p:blipFill>
+        <p:spPr>
+          <a:xfrm>
+            <a:off x="752527" y="5529117"/>
+            <a:ext cx="914676" cy="894283"/>
+          </a:xfrm>
+          <a:prstGeom prst="rect">
+            <a:avLst/>
+          </a:prstGeom>
+        </p:spPr>
+      </p:pic>
+      <p:sp>
+        <p:nvSpPr>
+          <p:cNvPr id="14" name="Title 28"/>
+          <p:cNvSpPr>
+            <a:spLocks noGrp="1"/>
+          </p:cNvSpPr>
+          <p:nvPr>
+            <p:ph type="title"/>
+          </p:nvPr>
+        </p:nvSpPr>
+        <p:spPr>
+          <a:xfrm>
+            <a:off x="149039" y="6395386"/>
+            <a:ext cx="2443915" cy="310899"/>
+          </a:xfrm>
+        </p:spPr>
+        <p:txBody>
+          <a:bodyPr>
+            <a:noAutofit/>
+          </a:bodyPr>
+          <a:lstStyle/>
+          <a:p>
+            <a:pPr algn="ctr"/>
+            <a:r>
+              <a:rPr lang="en-US" sz="1800" b="1" dirty="0"/>
+              <a:t>My Digital Library </a:t>
+            </a:r>
+            <a:endParaRPr lang="en-US" sz="1800" b="1" dirty="0"/>
+          </a:p>
+        </p:txBody>
+      </p:sp>
+      <p:pic>
+        <p:nvPicPr>
+          <p:cNvPr id="15" name="Picture 14"/>
           <p:cNvPicPr>
             <a:picLocks noChangeAspect="1"/>
           </p:cNvPicPr>
@@ -3487,92 +3121,15 @@
         </p:blipFill>
         <p:spPr>
           <a:xfrm>
-            <a:off x="752527" y="5529117"/>
-            <a:ext cx="914676" cy="894283"/>
+            <a:off x="9030663" y="5529117"/>
+            <a:ext cx="3012298" cy="1272856"/>
           </a:xfrm>
           <a:prstGeom prst="rect">
             <a:avLst/>
           </a:prstGeom>
         </p:spPr>
       </p:pic>
-      <p:sp>
-        <p:nvSpPr>
-          <p:cNvPr id="14" name="Title 28">
-            <a:extLst>
-              <a:ext uri="{FF2B5EF4-FFF2-40B4-BE49-F238E27FC236}">
-                <a16:creationId xmlns:a16="http://schemas.microsoft.com/office/drawing/2014/main" id="{214CD159-158D-D1AB-5C03-97F6170540DC}"/>
-              </a:ext>
-            </a:extLst>
-          </p:cNvPr>
-          <p:cNvSpPr>
-            <a:spLocks noGrp="1"/>
-          </p:cNvSpPr>
-          <p:nvPr>
-            <p:ph type="title"/>
-          </p:nvPr>
-        </p:nvSpPr>
-        <p:spPr>
-          <a:xfrm>
-            <a:off x="149039" y="6395386"/>
-            <a:ext cx="2443915" cy="310899"/>
-          </a:xfrm>
-        </p:spPr>
-        <p:txBody>
-          <a:bodyPr>
-            <a:noAutofit/>
-          </a:bodyPr>
-          <a:lstStyle/>
-          <a:p>
-            <a:pPr algn="ctr"/>
-            <a:r>
-              <a:rPr lang="en-US" sz="1800" b="1" dirty="0"/>
-              <a:t>My Digital Library </a:t>
-            </a:r>
-          </a:p>
-        </p:txBody>
-      </p:sp>
-      <p:pic>
-        <p:nvPicPr>
-          <p:cNvPr id="15" name="Picture 14">
-            <a:extLst>
-              <a:ext uri="{FF2B5EF4-FFF2-40B4-BE49-F238E27FC236}">
-                <a16:creationId xmlns:a16="http://schemas.microsoft.com/office/drawing/2014/main" id="{0FEB0C04-AE4C-29A6-3F91-035B869FED08}"/>
-              </a:ext>
-            </a:extLst>
-          </p:cNvPr>
-          <p:cNvPicPr>
-            <a:picLocks noChangeAspect="1"/>
-          </p:cNvPicPr>
-          <p:nvPr/>
-        </p:nvPicPr>
-        <p:blipFill>
-          <a:blip r:embed="rId3">
-            <a:extLst>
-              <a:ext uri="{28A0092B-C50C-407E-A947-70E740481C1C}">
-                <a14:useLocalDpi xmlns:a14="http://schemas.microsoft.com/office/drawing/2010/main" val="0"/>
-              </a:ext>
-            </a:extLst>
-          </a:blip>
-          <a:stretch>
-            <a:fillRect/>
-          </a:stretch>
-        </p:blipFill>
-        <p:spPr>
-          <a:xfrm>
-            <a:off x="9030663" y="5529117"/>
-            <a:ext cx="3012298" cy="1272856"/>
-          </a:xfrm>
-          <a:prstGeom prst="rect">
-            <a:avLst/>
-          </a:prstGeom>
-        </p:spPr>
-      </p:pic>
     </p:spTree>
-    <p:extLst>
-      <p:ext uri="{BB962C8B-B14F-4D97-AF65-F5344CB8AC3E}">
-        <p14:creationId xmlns:p14="http://schemas.microsoft.com/office/powerpoint/2010/main" val="2451548506"/>
-      </p:ext>
-    </p:extLst>
   </p:cSld>
   <p:clrMapOvr>
     <a:masterClrMapping/>
@@ -3599,16 +3156,8 @@
       </p:grpSpPr>
       <p:cxnSp>
         <p:nvCxnSpPr>
-          <p:cNvPr id="6" name="Straight Arrow Connector 5">
-            <a:extLst>
-              <a:ext uri="{FF2B5EF4-FFF2-40B4-BE49-F238E27FC236}">
-                <a16:creationId xmlns:a16="http://schemas.microsoft.com/office/drawing/2014/main" id="{87CCE204-1CA7-F7BD-0362-3C574FDDE2B2}"/>
-              </a:ext>
-            </a:extLst>
-          </p:cNvPr>
-          <p:cNvCxnSpPr>
-            <a:cxnSpLocks/>
-          </p:cNvCxnSpPr>
+          <p:cNvPr id="6" name="Straight Arrow Connector 5"/>
+          <p:cNvCxnSpPr/>
           <p:nvPr/>
         </p:nvCxnSpPr>
         <p:spPr>
@@ -3642,13 +3191,7 @@
       </p:cxnSp>
       <p:sp>
         <p:nvSpPr>
-          <p:cNvPr id="28" name="Rectangle 27">
-            <a:extLst>
-              <a:ext uri="{FF2B5EF4-FFF2-40B4-BE49-F238E27FC236}">
-                <a16:creationId xmlns:a16="http://schemas.microsoft.com/office/drawing/2014/main" id="{5D1DCB11-E4C1-0AA7-A405-7035AACFE685}"/>
-              </a:ext>
-            </a:extLst>
-          </p:cNvPr>
+          <p:cNvPr id="28" name="Rectangle 27"/>
           <p:cNvSpPr/>
           <p:nvPr/>
         </p:nvSpPr>
@@ -3688,13 +3231,7 @@
       </p:sp>
       <p:sp>
         <p:nvSpPr>
-          <p:cNvPr id="29" name="Title 28">
-            <a:extLst>
-              <a:ext uri="{FF2B5EF4-FFF2-40B4-BE49-F238E27FC236}">
-                <a16:creationId xmlns:a16="http://schemas.microsoft.com/office/drawing/2014/main" id="{972C102E-4C0E-8C26-5507-6714E704B885}"/>
-              </a:ext>
-            </a:extLst>
-          </p:cNvPr>
+          <p:cNvPr id="29" name="Title 28"/>
           <p:cNvSpPr>
             <a:spLocks noGrp="1"/>
           </p:cNvSpPr>
@@ -3721,24 +3258,19 @@
             </a:r>
             <a:r>
               <a:rPr lang="en-US" sz="2800" dirty="0" err="1"/>
-              <a:t>HeaderCentre</a:t>
+              <a:t>HeaderCenter</a:t>
             </a:r>
             <a:r>
               <a:rPr lang="en-US" sz="2800" dirty="0"/>
               <a:t>]</a:t>
             </a:r>
-          </a:p>
-        </p:txBody>
-      </p:sp>
-      <p:sp>
-        <p:nvSpPr>
-          <p:cNvPr id="30" name="Content Placeholder 29">
-            <a:extLst>
-              <a:ext uri="{FF2B5EF4-FFF2-40B4-BE49-F238E27FC236}">
-                <a16:creationId xmlns:a16="http://schemas.microsoft.com/office/drawing/2014/main" id="{877C08BB-D46C-76CE-8E09-08A7B652A855}"/>
-              </a:ext>
-            </a:extLst>
-          </p:cNvPr>
+            <a:endParaRPr lang="en-US" sz="2800" dirty="0"/>
+          </a:p>
+        </p:txBody>
+      </p:sp>
+      <p:sp>
+        <p:nvSpPr>
+          <p:cNvPr id="30" name="Content Placeholder 29"/>
           <p:cNvSpPr>
             <a:spLocks noGrp="1"/>
           </p:cNvSpPr>
@@ -3765,18 +3297,13 @@
               <a:rPr lang="en-US" sz="1800" dirty="0"/>
               <a:t>[Disclaimer]</a:t>
             </a:r>
-          </a:p>
-        </p:txBody>
-      </p:sp>
-      <p:sp>
-        <p:nvSpPr>
-          <p:cNvPr id="32" name="Title 28">
-            <a:extLst>
-              <a:ext uri="{FF2B5EF4-FFF2-40B4-BE49-F238E27FC236}">
-                <a16:creationId xmlns:a16="http://schemas.microsoft.com/office/drawing/2014/main" id="{EEE70E28-12A5-6A1F-8378-DF0FAA2C3988}"/>
-              </a:ext>
-            </a:extLst>
-          </p:cNvPr>
+            <a:endParaRPr lang="en-US" sz="1800" dirty="0"/>
+          </a:p>
+        </p:txBody>
+      </p:sp>
+      <p:sp>
+        <p:nvSpPr>
+          <p:cNvPr id="32" name="Title 28"/>
           <p:cNvSpPr>
             <a:spLocks noGrp="1"/>
           </p:cNvSpPr>
@@ -3792,7 +3319,7 @@
         </p:spPr>
         <p:txBody>
           <a:bodyPr>
-            <a:normAutofit/>
+            <a:normAutofit fontScale="90000"/>
           </a:bodyPr>
           <a:lstStyle/>
           <a:p>
@@ -3809,18 +3336,13 @@
               <a:rPr lang="en-US" sz="1600" dirty="0"/>
               <a:t>]</a:t>
             </a:r>
-          </a:p>
-        </p:txBody>
-      </p:sp>
-      <p:sp>
-        <p:nvSpPr>
-          <p:cNvPr id="34" name="Title 28">
-            <a:extLst>
-              <a:ext uri="{FF2B5EF4-FFF2-40B4-BE49-F238E27FC236}">
-                <a16:creationId xmlns:a16="http://schemas.microsoft.com/office/drawing/2014/main" id="{6B63F99A-836D-C787-FB5F-525DBA2E5C19}"/>
-              </a:ext>
-            </a:extLst>
-          </p:cNvPr>
+            <a:endParaRPr lang="en-US" sz="1600" dirty="0"/>
+          </a:p>
+        </p:txBody>
+      </p:sp>
+      <p:sp>
+        <p:nvSpPr>
+          <p:cNvPr id="34" name="Title 28"/>
           <p:cNvSpPr>
             <a:spLocks noGrp="1"/>
           </p:cNvSpPr>
@@ -3830,8 +3352,8 @@
         </p:nvSpPr>
         <p:spPr>
           <a:xfrm>
-            <a:off x="10064377" y="6129712"/>
-            <a:ext cx="1402976" cy="388375"/>
+            <a:off x="9831070" y="6129655"/>
+            <a:ext cx="1635760" cy="388620"/>
           </a:xfrm>
         </p:spPr>
         <p:txBody>
@@ -3853,18 +3375,13 @@
               <a:rPr lang="en-US" sz="1600" dirty="0"/>
               <a:t>]</a:t>
             </a:r>
-          </a:p>
-        </p:txBody>
-      </p:sp>
-      <p:sp>
-        <p:nvSpPr>
-          <p:cNvPr id="36" name="Title 28">
-            <a:extLst>
-              <a:ext uri="{FF2B5EF4-FFF2-40B4-BE49-F238E27FC236}">
-                <a16:creationId xmlns:a16="http://schemas.microsoft.com/office/drawing/2014/main" id="{5BD3CC97-34B7-4B73-3AC3-B9004D211B90}"/>
-              </a:ext>
-            </a:extLst>
-          </p:cNvPr>
+            <a:endParaRPr lang="en-US" sz="1600" dirty="0"/>
+          </a:p>
+        </p:txBody>
+      </p:sp>
+      <p:sp>
+        <p:nvSpPr>
+          <p:cNvPr id="36" name="Title 28"/>
           <p:cNvSpPr>
             <a:spLocks noGrp="1"/>
           </p:cNvSpPr>
@@ -3897,18 +3414,13 @@
               <a:rPr lang="en-US" sz="1600" dirty="0"/>
               <a:t>]</a:t>
             </a:r>
-          </a:p>
-        </p:txBody>
-      </p:sp>
-      <p:sp>
-        <p:nvSpPr>
-          <p:cNvPr id="38" name="Title 28">
-            <a:extLst>
-              <a:ext uri="{FF2B5EF4-FFF2-40B4-BE49-F238E27FC236}">
-                <a16:creationId xmlns:a16="http://schemas.microsoft.com/office/drawing/2014/main" id="{4D7272FA-6E46-D2FD-A124-ADDD7E521229}"/>
-              </a:ext>
-            </a:extLst>
-          </p:cNvPr>
+            <a:endParaRPr lang="en-US" sz="1600" dirty="0"/>
+          </a:p>
+        </p:txBody>
+      </p:sp>
+      <p:sp>
+        <p:nvSpPr>
+          <p:cNvPr id="38" name="Title 28"/>
           <p:cNvSpPr>
             <a:spLocks noGrp="1"/>
           </p:cNvSpPr>
@@ -3918,8 +3430,8 @@
         </p:nvSpPr>
         <p:spPr>
           <a:xfrm>
-            <a:off x="5655982" y="6129711"/>
-            <a:ext cx="1402976" cy="388375"/>
+            <a:off x="5314950" y="6129655"/>
+            <a:ext cx="1743710" cy="388620"/>
           </a:xfrm>
         </p:spPr>
         <p:txBody>
@@ -3941,18 +3453,74 @@
               <a:rPr lang="en-US" sz="1600" dirty="0"/>
               <a:t>]</a:t>
             </a:r>
+            <a:endParaRPr lang="en-US" sz="1600" dirty="0"/>
           </a:p>
         </p:txBody>
       </p:sp>
       <p:pic>
         <p:nvPicPr>
-          <p:cNvPr id="40" name="Picture 39">
+          <p:cNvPr id="40" name="Picture 39"/>
+          <p:cNvPicPr>
+            <a:picLocks noChangeAspect="1"/>
+          </p:cNvPicPr>
+          <p:nvPr/>
+        </p:nvPicPr>
+        <p:blipFill>
+          <a:blip r:embed="rId1">
             <a:extLst>
-              <a:ext uri="{FF2B5EF4-FFF2-40B4-BE49-F238E27FC236}">
-                <a16:creationId xmlns:a16="http://schemas.microsoft.com/office/drawing/2014/main" id="{456EFF22-BE1F-358E-7D4B-A4042E0B3167}"/>
+              <a:ext uri="{28A0092B-C50C-407E-A947-70E740481C1C}">
+                <a14:useLocalDpi xmlns:a14="http://schemas.microsoft.com/office/drawing/2010/main" val="0"/>
               </a:ext>
             </a:extLst>
-          </p:cNvPr>
+          </a:blip>
+          <a:stretch>
+            <a:fillRect/>
+          </a:stretch>
+        </p:blipFill>
+        <p:spPr>
+          <a:xfrm flipH="1">
+            <a:off x="991396" y="142305"/>
+            <a:ext cx="655682" cy="641064"/>
+          </a:xfrm>
+          <a:prstGeom prst="rect">
+            <a:avLst/>
+          </a:prstGeom>
+        </p:spPr>
+      </p:pic>
+      <p:sp>
+        <p:nvSpPr>
+          <p:cNvPr id="42" name="Title 28"/>
+          <p:cNvSpPr>
+            <a:spLocks noGrp="1"/>
+          </p:cNvSpPr>
+          <p:nvPr>
+            <p:ph type="title"/>
+          </p:nvPr>
+        </p:nvSpPr>
+        <p:spPr>
+          <a:xfrm>
+            <a:off x="838200" y="727250"/>
+            <a:ext cx="1953932" cy="312232"/>
+          </a:xfrm>
+        </p:spPr>
+        <p:txBody>
+          <a:bodyPr>
+            <a:noAutofit/>
+          </a:bodyPr>
+          <a:lstStyle/>
+          <a:p>
+            <a:pPr algn="ctr"/>
+            <a:r>
+              <a:rPr lang="en-US" sz="1800" b="1" dirty="0"/>
+              <a:t>My Digital Library </a:t>
+            </a:r>
+            <a:endParaRPr lang="en-US" sz="1800" b="1" dirty="0"/>
+          </a:p>
+        </p:txBody>
+      </p:sp>
+      <p:pic>
+        <p:nvPicPr>
+          <p:cNvPr id="43" name="Picture 42"/>
           <p:cNvPicPr>
             <a:picLocks noChangeAspect="1"/>
           </p:cNvPicPr>
@@ -3971,93 +3539,16 @@
           </a:stretch>
         </p:blipFill>
         <p:spPr>
-          <a:xfrm flipH="1">
-            <a:off x="991396" y="142305"/>
-            <a:ext cx="655682" cy="641064"/>
+          <a:xfrm>
+            <a:off x="9475638" y="195345"/>
+            <a:ext cx="1878162" cy="845173"/>
           </a:xfrm>
           <a:prstGeom prst="rect">
             <a:avLst/>
           </a:prstGeom>
         </p:spPr>
       </p:pic>
-      <p:sp>
-        <p:nvSpPr>
-          <p:cNvPr id="42" name="Title 28">
-            <a:extLst>
-              <a:ext uri="{FF2B5EF4-FFF2-40B4-BE49-F238E27FC236}">
-                <a16:creationId xmlns:a16="http://schemas.microsoft.com/office/drawing/2014/main" id="{E22F8963-C561-38A1-F799-0657E8DDCE62}"/>
-              </a:ext>
-            </a:extLst>
-          </p:cNvPr>
-          <p:cNvSpPr>
-            <a:spLocks noGrp="1"/>
-          </p:cNvSpPr>
-          <p:nvPr>
-            <p:ph type="title"/>
-          </p:nvPr>
-        </p:nvSpPr>
-        <p:spPr>
-          <a:xfrm>
-            <a:off x="838200" y="727250"/>
-            <a:ext cx="1953932" cy="312232"/>
-          </a:xfrm>
-        </p:spPr>
-        <p:txBody>
-          <a:bodyPr>
-            <a:noAutofit/>
-          </a:bodyPr>
-          <a:lstStyle/>
-          <a:p>
-            <a:pPr algn="ctr"/>
-            <a:r>
-              <a:rPr lang="en-US" sz="1800" b="1" dirty="0"/>
-              <a:t>My Digital Library </a:t>
-            </a:r>
-          </a:p>
-        </p:txBody>
-      </p:sp>
-      <p:pic>
-        <p:nvPicPr>
-          <p:cNvPr id="43" name="Picture 42">
-            <a:extLst>
-              <a:ext uri="{FF2B5EF4-FFF2-40B4-BE49-F238E27FC236}">
-                <a16:creationId xmlns:a16="http://schemas.microsoft.com/office/drawing/2014/main" id="{A945BEA8-BA69-4EEF-B1D7-826B22F1BC10}"/>
-              </a:ext>
-            </a:extLst>
-          </p:cNvPr>
-          <p:cNvPicPr>
-            <a:picLocks noChangeAspect="1"/>
-          </p:cNvPicPr>
-          <p:nvPr/>
-        </p:nvPicPr>
-        <p:blipFill>
-          <a:blip r:embed="rId3">
-            <a:extLst>
-              <a:ext uri="{28A0092B-C50C-407E-A947-70E740481C1C}">
-                <a14:useLocalDpi xmlns:a14="http://schemas.microsoft.com/office/drawing/2010/main" val="0"/>
-              </a:ext>
-            </a:extLst>
-          </a:blip>
-          <a:stretch>
-            <a:fillRect/>
-          </a:stretch>
-        </p:blipFill>
-        <p:spPr>
-          <a:xfrm>
-            <a:off x="9475638" y="195345"/>
-            <a:ext cx="1878162" cy="845173"/>
-          </a:xfrm>
-          <a:prstGeom prst="rect">
-            <a:avLst/>
-          </a:prstGeom>
-        </p:spPr>
-      </p:pic>
     </p:spTree>
-    <p:extLst>
-      <p:ext uri="{BB962C8B-B14F-4D97-AF65-F5344CB8AC3E}">
-        <p14:creationId xmlns:p14="http://schemas.microsoft.com/office/powerpoint/2010/main" val="360974741"/>
-      </p:ext>
-    </p:extLst>
   </p:cSld>
   <p:clrMapOvr>
     <a:masterClrMapping/>
@@ -4108,7 +3599,7 @@
     </a:clrScheme>
     <a:fontScheme name="Office">
       <a:majorFont>
-        <a:latin typeface="Aptos Display" panose="02110004020202020204"/>
+        <a:latin typeface="Aptos Display"/>
         <a:ea typeface=""/>
         <a:cs typeface=""/>
         <a:font script="Jpan" typeface="游ゴシック Light"/>
@@ -4141,26 +3632,9 @@
         <a:font script="Viet" typeface="Times New Roman"/>
         <a:font script="Uigh" typeface="Microsoft Uighur"/>
         <a:font script="Geor" typeface="Sylfaen"/>
-        <a:font script="Armn" typeface="Arial"/>
-        <a:font script="Bugi" typeface="Leelawadee UI"/>
-        <a:font script="Bopo" typeface="Microsoft JhengHei"/>
-        <a:font script="Java" typeface="Javanese Text"/>
-        <a:font script="Lisu" typeface="Segoe UI"/>
-        <a:font script="Mymr" typeface="Myanmar Text"/>
-        <a:font script="Nkoo" typeface="Ebrima"/>
-        <a:font script="Olck" typeface="Nirmala UI"/>
-        <a:font script="Osma" typeface="Ebrima"/>
-        <a:font script="Phag" typeface="Phagspa"/>
-        <a:font script="Syrn" typeface="Estrangelo Edessa"/>
-        <a:font script="Syrj" typeface="Estrangelo Edessa"/>
-        <a:font script="Syre" typeface="Estrangelo Edessa"/>
-        <a:font script="Sora" typeface="Nirmala UI"/>
-        <a:font script="Tale" typeface="Microsoft Tai Le"/>
-        <a:font script="Talu" typeface="Microsoft New Tai Lue"/>
-        <a:font script="Tfng" typeface="Ebrima"/>
       </a:majorFont>
       <a:minorFont>
-        <a:latin typeface="Aptos" panose="02110004020202020204"/>
+        <a:latin typeface="Aptos"/>
         <a:ea typeface=""/>
         <a:cs typeface=""/>
         <a:font script="Jpan" typeface="游ゴシック"/>
@@ -4193,23 +3667,6 @@
         <a:font script="Viet" typeface="Arial"/>
         <a:font script="Uigh" typeface="Microsoft Uighur"/>
         <a:font script="Geor" typeface="Sylfaen"/>
-        <a:font script="Armn" typeface="Arial"/>
-        <a:font script="Bugi" typeface="Leelawadee UI"/>
-        <a:font script="Bopo" typeface="Microsoft JhengHei"/>
-        <a:font script="Java" typeface="Javanese Text"/>
-        <a:font script="Lisu" typeface="Segoe UI"/>
-        <a:font script="Mymr" typeface="Myanmar Text"/>
-        <a:font script="Nkoo" typeface="Ebrima"/>
-        <a:font script="Olck" typeface="Nirmala UI"/>
-        <a:font script="Osma" typeface="Ebrima"/>
-        <a:font script="Phag" typeface="Phagspa"/>
-        <a:font script="Syrn" typeface="Estrangelo Edessa"/>
-        <a:font script="Syrj" typeface="Estrangelo Edessa"/>
-        <a:font script="Syre" typeface="Estrangelo Edessa"/>
-        <a:font script="Sora" typeface="Nirmala UI"/>
-        <a:font script="Tale" typeface="Microsoft Tai Le"/>
-        <a:font script="Talu" typeface="Microsoft New Tai Lue"/>
-        <a:font script="Tfng" typeface="Ebrima"/>
       </a:minorFont>
     </a:fontScheme>
     <a:fmtScheme name="Office">
@@ -4371,10 +3828,9 @@
       </a:style>
     </a:lnDef>
   </a:objectDefaults>
-  <a:extraClrSchemeLst/>
   <a:extLst>
     <a:ext uri="{05A4C25C-085E-4340-85A3-A5531E510DB2}">
-      <thm15:themeFamily xmlns:thm15="http://schemas.microsoft.com/office/thememl/2012/main" name="Office Theme" id="{2E142A2C-CD16-42D6-873A-C26D2A0506FA}" vid="{1BDDFF52-6CD6-40A5-AB3C-68EB2F1E4D0A}"/>
+      <thm15:themeFamily xmlns:thm15="http://schemas.microsoft.com/office/thememl/2012/main" name="Office Theme" id="{62F939B6-93AF-4DB8-9C6B-D6C7DFDC589F}" vid="{4A3C46E8-61CC-4603-A589-7422A47A8E4A}"/>
     </a:ext>
   </a:extLst>
 </a:theme>

--- a/ppt1.pptx
+++ b/ppt1.pptx
@@ -3512,42 +3512,41 @@
             <a:pPr algn="ctr"/>
             <a:r>
               <a:rPr lang="en-US" sz="1800" b="1" dirty="0"/>
-              <a:t>My Digital Library </a:t>
+              <a:t>HeaderLeft</a:t>
             </a:r>
             <a:endParaRPr lang="en-US" sz="1800" b="1" dirty="0"/>
           </a:p>
         </p:txBody>
       </p:sp>
-      <p:pic>
-        <p:nvPicPr>
-          <p:cNvPr id="43" name="Picture 42"/>
-          <p:cNvPicPr>
-            <a:picLocks noChangeAspect="1"/>
-          </p:cNvPicPr>
+      <p:sp>
+        <p:nvSpPr>
+          <p:cNvPr id="3" name="Text Box 2"/>
+          <p:cNvSpPr txBox="1"/>
           <p:nvPr/>
-        </p:nvPicPr>
-        <p:blipFill>
-          <a:blip r:embed="rId2">
-            <a:extLst>
-              <a:ext uri="{28A0092B-C50C-407E-A947-70E740481C1C}">
-                <a14:useLocalDpi xmlns:a14="http://schemas.microsoft.com/office/drawing/2010/main" val="0"/>
-              </a:ext>
-            </a:extLst>
-          </a:blip>
-          <a:stretch>
-            <a:fillRect/>
-          </a:stretch>
-        </p:blipFill>
+        </p:nvSpPr>
         <p:spPr>
           <a:xfrm>
-            <a:off x="9475638" y="195345"/>
-            <a:ext cx="1878162" cy="845173"/>
+            <a:off x="9089390" y="621665"/>
+            <a:ext cx="4064000" cy="368300"/>
           </a:xfrm>
           <a:prstGeom prst="rect">
             <a:avLst/>
           </a:prstGeom>
-        </p:spPr>
-      </p:pic>
+          <a:noFill/>
+        </p:spPr>
+        <p:txBody>
+          <a:bodyPr wrap="square" rtlCol="0">
+            <a:spAutoFit/>
+          </a:bodyPr>
+          <a:p>
+            <a:r>
+              <a:rPr lang="en-US"/>
+              <a:t>HeaderRight</a:t>
+            </a:r>
+            <a:endParaRPr lang="en-US"/>
+          </a:p>
+        </p:txBody>
+      </p:sp>
     </p:spTree>
   </p:cSld>
   <p:clrMapOvr>

--- a/ppt1.pptx
+++ b/ppt1.pptx
@@ -3162,7 +3162,7 @@
         </p:nvCxnSpPr>
         <p:spPr>
           <a:xfrm>
-            <a:off x="840441" y="1120588"/>
+            <a:off x="840441" y="1473013"/>
             <a:ext cx="10626912" cy="0"/>
           </a:xfrm>
           <a:prstGeom prst="straightConnector1">
@@ -3241,7 +3241,7 @@
         </p:nvSpPr>
         <p:spPr>
           <a:xfrm>
-            <a:off x="3835026" y="399454"/>
+            <a:off x="3766446" y="1457999"/>
             <a:ext cx="5044888" cy="641064"/>
           </a:xfrm>
         </p:spPr>
@@ -3280,8 +3280,8 @@
         </p:nvSpPr>
         <p:spPr>
           <a:xfrm>
-            <a:off x="838200" y="1825625"/>
-            <a:ext cx="10515600" cy="3911785"/>
+            <a:off x="838200" y="1345565"/>
+            <a:ext cx="10515600" cy="4714875"/>
           </a:xfrm>
         </p:spPr>
         <p:txBody>
@@ -3289,6 +3289,18 @@
             <a:normAutofit/>
           </a:bodyPr>
           <a:lstStyle/>
+          <a:p>
+            <a:pPr marL="0" indent="0">
+              <a:buNone/>
+            </a:pPr>
+            <a:endParaRPr lang="en-US" sz="1800" dirty="0"/>
+          </a:p>
+          <a:p>
+            <a:pPr marL="0" indent="0">
+              <a:buNone/>
+            </a:pPr>
+            <a:endParaRPr lang="en-US" sz="1800" dirty="0"/>
+          </a:p>
           <a:p>
             <a:pPr marL="0" indent="0">
               <a:buNone/>
@@ -3499,7 +3511,7 @@
         </p:nvSpPr>
         <p:spPr>
           <a:xfrm>
-            <a:off x="838200" y="727250"/>
+            <a:off x="840740" y="1601645"/>
             <a:ext cx="1953932" cy="312232"/>
           </a:xfrm>
         </p:spPr>
@@ -3512,7 +3524,7 @@
             <a:pPr algn="ctr"/>
             <a:r>
               <a:rPr lang="en-US" sz="1800" b="1" dirty="0"/>
-              <a:t>HeaderLeft</a:t>
+              <a:t>[HeaderLeft]</a:t>
             </a:r>
             <a:endParaRPr lang="en-US" sz="1800" b="1" dirty="0"/>
           </a:p>
@@ -3526,7 +3538,7 @@
         </p:nvSpPr>
         <p:spPr>
           <a:xfrm>
-            <a:off x="9089390" y="621665"/>
+            <a:off x="8811260" y="1606550"/>
             <a:ext cx="4064000" cy="368300"/>
           </a:xfrm>
           <a:prstGeom prst="rect">
@@ -3541,7 +3553,7 @@
           <a:p>
             <a:r>
               <a:rPr lang="en-US"/>
-              <a:t>HeaderRight</a:t>
+              <a:t>[HeaderRight]</a:t>
             </a:r>
             <a:endParaRPr lang="en-US"/>
           </a:p>
